--- a/so-you-think-you-know-html/pubconf-perth-2019.pptx
+++ b/so-you-think-you-know-html/pubconf-perth-2019.pptx
@@ -8,16 +8,23 @@
     <p:sldId id="256" r:id="rId2"/>
     <p:sldId id="257" r:id="rId3"/>
     <p:sldId id="259" r:id="rId4"/>
-    <p:sldId id="260" r:id="rId5"/>
-    <p:sldId id="261" r:id="rId6"/>
-    <p:sldId id="262" r:id="rId7"/>
-    <p:sldId id="263" r:id="rId8"/>
-    <p:sldId id="264" r:id="rId9"/>
-    <p:sldId id="265" r:id="rId10"/>
-    <p:sldId id="266" r:id="rId11"/>
-    <p:sldId id="267" r:id="rId12"/>
-    <p:sldId id="268" r:id="rId13"/>
-    <p:sldId id="258" r:id="rId14"/>
+    <p:sldId id="269" r:id="rId5"/>
+    <p:sldId id="270" r:id="rId6"/>
+    <p:sldId id="271" r:id="rId7"/>
+    <p:sldId id="260" r:id="rId8"/>
+    <p:sldId id="261" r:id="rId9"/>
+    <p:sldId id="262" r:id="rId10"/>
+    <p:sldId id="263" r:id="rId11"/>
+    <p:sldId id="264" r:id="rId12"/>
+    <p:sldId id="265" r:id="rId13"/>
+    <p:sldId id="266" r:id="rId14"/>
+    <p:sldId id="272" r:id="rId15"/>
+    <p:sldId id="274" r:id="rId16"/>
+    <p:sldId id="275" r:id="rId17"/>
+    <p:sldId id="276" r:id="rId18"/>
+    <p:sldId id="273" r:id="rId19"/>
+    <p:sldId id="277" r:id="rId20"/>
+    <p:sldId id="258" r:id="rId21"/>
   </p:sldIdLst>
   <p:sldSz cx="12192000" cy="6858000"/>
   <p:notesSz cx="6858000" cy="9144000"/>
@@ -794,7 +801,7 @@
           <a:p>
             <a:fld id="{2FBF2595-A641-4D64-BDD8-695DAEB1FA81}" type="datetimeFigureOut">
               <a:rPr lang="en-AU" smtClean="0"/>
-              <a:t>24/07/2019</a:t>
+              <a:t>3/08/2019</a:t>
             </a:fld>
             <a:endParaRPr lang="en-AU"/>
           </a:p>
@@ -864,6 +871,14 @@
   <p:clrMapOvr>
     <a:masterClrMapping/>
   </p:clrMapOvr>
+  <mc:AlternateContent xmlns:mc="http://schemas.openxmlformats.org/markup-compatibility/2006" xmlns:p14="http://schemas.microsoft.com/office/powerpoint/2010/main">
+    <mc:Choice Requires="p14">
+      <p:transition spd="slow" p14:dur="2000" advClick="0" advTm="15000"/>
+    </mc:Choice>
+    <mc:Fallback xmlns="">
+      <p:transition spd="slow" advClick="0" advTm="15000"/>
+    </mc:Fallback>
+  </mc:AlternateContent>
 </p:sldLayout>
 </file>
 
@@ -994,7 +1009,7 @@
           <a:p>
             <a:fld id="{2FBF2595-A641-4D64-BDD8-695DAEB1FA81}" type="datetimeFigureOut">
               <a:rPr lang="en-AU" smtClean="0"/>
-              <a:t>24/07/2019</a:t>
+              <a:t>3/08/2019</a:t>
             </a:fld>
             <a:endParaRPr lang="en-AU"/>
           </a:p>
@@ -1064,6 +1079,14 @@
   <p:clrMapOvr>
     <a:masterClrMapping/>
   </p:clrMapOvr>
+  <mc:AlternateContent xmlns:mc="http://schemas.openxmlformats.org/markup-compatibility/2006" xmlns:p14="http://schemas.microsoft.com/office/powerpoint/2010/main">
+    <mc:Choice Requires="p14">
+      <p:transition spd="slow" p14:dur="2000" advClick="0" advTm="15000"/>
+    </mc:Choice>
+    <mc:Fallback xmlns="">
+      <p:transition spd="slow" advClick="0" advTm="15000"/>
+    </mc:Fallback>
+  </mc:AlternateContent>
 </p:sldLayout>
 </file>
 
@@ -1204,7 +1227,7 @@
           <a:p>
             <a:fld id="{2FBF2595-A641-4D64-BDD8-695DAEB1FA81}" type="datetimeFigureOut">
               <a:rPr lang="en-AU" smtClean="0"/>
-              <a:t>24/07/2019</a:t>
+              <a:t>3/08/2019</a:t>
             </a:fld>
             <a:endParaRPr lang="en-AU"/>
           </a:p>
@@ -1274,6 +1297,14 @@
   <p:clrMapOvr>
     <a:masterClrMapping/>
   </p:clrMapOvr>
+  <mc:AlternateContent xmlns:mc="http://schemas.openxmlformats.org/markup-compatibility/2006" xmlns:p14="http://schemas.microsoft.com/office/powerpoint/2010/main">
+    <mc:Choice Requires="p14">
+      <p:transition spd="slow" p14:dur="2000" advClick="0" advTm="15000"/>
+    </mc:Choice>
+    <mc:Fallback xmlns="">
+      <p:transition spd="slow" advClick="0" advTm="15000"/>
+    </mc:Fallback>
+  </mc:AlternateContent>
 </p:sldLayout>
 </file>
 
@@ -1404,7 +1435,7 @@
           <a:p>
             <a:fld id="{2FBF2595-A641-4D64-BDD8-695DAEB1FA81}" type="datetimeFigureOut">
               <a:rPr lang="en-AU" smtClean="0"/>
-              <a:t>24/07/2019</a:t>
+              <a:t>3/08/2019</a:t>
             </a:fld>
             <a:endParaRPr lang="en-AU"/>
           </a:p>
@@ -1474,6 +1505,14 @@
   <p:clrMapOvr>
     <a:masterClrMapping/>
   </p:clrMapOvr>
+  <mc:AlternateContent xmlns:mc="http://schemas.openxmlformats.org/markup-compatibility/2006" xmlns:p14="http://schemas.microsoft.com/office/powerpoint/2010/main">
+    <mc:Choice Requires="p14">
+      <p:transition spd="slow" p14:dur="2000" advClick="0" advTm="15000"/>
+    </mc:Choice>
+    <mc:Fallback xmlns="">
+      <p:transition spd="slow" advClick="0" advTm="15000"/>
+    </mc:Fallback>
+  </mc:AlternateContent>
 </p:sldLayout>
 </file>
 
@@ -1680,7 +1719,7 @@
           <a:p>
             <a:fld id="{2FBF2595-A641-4D64-BDD8-695DAEB1FA81}" type="datetimeFigureOut">
               <a:rPr lang="en-AU" smtClean="0"/>
-              <a:t>24/07/2019</a:t>
+              <a:t>3/08/2019</a:t>
             </a:fld>
             <a:endParaRPr lang="en-AU"/>
           </a:p>
@@ -1750,6 +1789,14 @@
   <p:clrMapOvr>
     <a:masterClrMapping/>
   </p:clrMapOvr>
+  <mc:AlternateContent xmlns:mc="http://schemas.openxmlformats.org/markup-compatibility/2006" xmlns:p14="http://schemas.microsoft.com/office/powerpoint/2010/main">
+    <mc:Choice Requires="p14">
+      <p:transition spd="slow" p14:dur="2000" advClick="0" advTm="15000"/>
+    </mc:Choice>
+    <mc:Fallback xmlns="">
+      <p:transition spd="slow" advClick="0" advTm="15000"/>
+    </mc:Fallback>
+  </mc:AlternateContent>
 </p:sldLayout>
 </file>
 
@@ -1948,7 +1995,7 @@
           <a:p>
             <a:fld id="{2FBF2595-A641-4D64-BDD8-695DAEB1FA81}" type="datetimeFigureOut">
               <a:rPr lang="en-AU" smtClean="0"/>
-              <a:t>24/07/2019</a:t>
+              <a:t>3/08/2019</a:t>
             </a:fld>
             <a:endParaRPr lang="en-AU"/>
           </a:p>
@@ -2018,6 +2065,14 @@
   <p:clrMapOvr>
     <a:masterClrMapping/>
   </p:clrMapOvr>
+  <mc:AlternateContent xmlns:mc="http://schemas.openxmlformats.org/markup-compatibility/2006" xmlns:p14="http://schemas.microsoft.com/office/powerpoint/2010/main">
+    <mc:Choice Requires="p14">
+      <p:transition spd="slow" p14:dur="2000" advClick="0" advTm="15000"/>
+    </mc:Choice>
+    <mc:Fallback xmlns="">
+      <p:transition spd="slow" advClick="0" advTm="15000"/>
+    </mc:Fallback>
+  </mc:AlternateContent>
 </p:sldLayout>
 </file>
 
@@ -2363,7 +2418,7 @@
           <a:p>
             <a:fld id="{2FBF2595-A641-4D64-BDD8-695DAEB1FA81}" type="datetimeFigureOut">
               <a:rPr lang="en-AU" smtClean="0"/>
-              <a:t>24/07/2019</a:t>
+              <a:t>3/08/2019</a:t>
             </a:fld>
             <a:endParaRPr lang="en-AU"/>
           </a:p>
@@ -2433,6 +2488,14 @@
   <p:clrMapOvr>
     <a:masterClrMapping/>
   </p:clrMapOvr>
+  <mc:AlternateContent xmlns:mc="http://schemas.openxmlformats.org/markup-compatibility/2006" xmlns:p14="http://schemas.microsoft.com/office/powerpoint/2010/main">
+    <mc:Choice Requires="p14">
+      <p:transition spd="slow" p14:dur="2000" advClick="0" advTm="15000"/>
+    </mc:Choice>
+    <mc:Fallback xmlns="">
+      <p:transition spd="slow" advClick="0" advTm="15000"/>
+    </mc:Fallback>
+  </mc:AlternateContent>
 </p:sldLayout>
 </file>
 
@@ -2505,7 +2568,7 @@
           <a:p>
             <a:fld id="{2FBF2595-A641-4D64-BDD8-695DAEB1FA81}" type="datetimeFigureOut">
               <a:rPr lang="en-AU" smtClean="0"/>
-              <a:t>24/07/2019</a:t>
+              <a:t>3/08/2019</a:t>
             </a:fld>
             <a:endParaRPr lang="en-AU"/>
           </a:p>
@@ -2575,6 +2638,14 @@
   <p:clrMapOvr>
     <a:masterClrMapping/>
   </p:clrMapOvr>
+  <mc:AlternateContent xmlns:mc="http://schemas.openxmlformats.org/markup-compatibility/2006" xmlns:p14="http://schemas.microsoft.com/office/powerpoint/2010/main">
+    <mc:Choice Requires="p14">
+      <p:transition spd="slow" p14:dur="2000" advClick="0" advTm="15000"/>
+    </mc:Choice>
+    <mc:Fallback xmlns="">
+      <p:transition spd="slow" advClick="0" advTm="15000"/>
+    </mc:Fallback>
+  </mc:AlternateContent>
 </p:sldLayout>
 </file>
 
@@ -2618,7 +2689,7 @@
           <a:p>
             <a:fld id="{2FBF2595-A641-4D64-BDD8-695DAEB1FA81}" type="datetimeFigureOut">
               <a:rPr lang="en-AU" smtClean="0"/>
-              <a:t>24/07/2019</a:t>
+              <a:t>3/08/2019</a:t>
             </a:fld>
             <a:endParaRPr lang="en-AU"/>
           </a:p>
@@ -2688,6 +2759,14 @@
   <p:clrMapOvr>
     <a:masterClrMapping/>
   </p:clrMapOvr>
+  <mc:AlternateContent xmlns:mc="http://schemas.openxmlformats.org/markup-compatibility/2006" xmlns:p14="http://schemas.microsoft.com/office/powerpoint/2010/main">
+    <mc:Choice Requires="p14">
+      <p:transition spd="slow" p14:dur="2000" advClick="0" advTm="15000"/>
+    </mc:Choice>
+    <mc:Fallback xmlns="">
+      <p:transition spd="slow" advClick="0" advTm="15000"/>
+    </mc:Fallback>
+  </mc:AlternateContent>
 </p:sldLayout>
 </file>
 
@@ -2931,7 +3010,7 @@
           <a:p>
             <a:fld id="{2FBF2595-A641-4D64-BDD8-695DAEB1FA81}" type="datetimeFigureOut">
               <a:rPr lang="en-AU" smtClean="0"/>
-              <a:t>24/07/2019</a:t>
+              <a:t>3/08/2019</a:t>
             </a:fld>
             <a:endParaRPr lang="en-AU"/>
           </a:p>
@@ -3001,6 +3080,14 @@
   <p:clrMapOvr>
     <a:masterClrMapping/>
   </p:clrMapOvr>
+  <mc:AlternateContent xmlns:mc="http://schemas.openxmlformats.org/markup-compatibility/2006" xmlns:p14="http://schemas.microsoft.com/office/powerpoint/2010/main">
+    <mc:Choice Requires="p14">
+      <p:transition spd="slow" p14:dur="2000" advClick="0" advTm="15000"/>
+    </mc:Choice>
+    <mc:Fallback xmlns="">
+      <p:transition spd="slow" advClick="0" advTm="15000"/>
+    </mc:Fallback>
+  </mc:AlternateContent>
 </p:sldLayout>
 </file>
 
@@ -3220,7 +3307,7 @@
           <a:p>
             <a:fld id="{2FBF2595-A641-4D64-BDD8-695DAEB1FA81}" type="datetimeFigureOut">
               <a:rPr lang="en-AU" smtClean="0"/>
-              <a:t>24/07/2019</a:t>
+              <a:t>3/08/2019</a:t>
             </a:fld>
             <a:endParaRPr lang="en-AU"/>
           </a:p>
@@ -3290,6 +3377,14 @@
   <p:clrMapOvr>
     <a:masterClrMapping/>
   </p:clrMapOvr>
+  <mc:AlternateContent xmlns:mc="http://schemas.openxmlformats.org/markup-compatibility/2006" xmlns:p14="http://schemas.microsoft.com/office/powerpoint/2010/main">
+    <mc:Choice Requires="p14">
+      <p:transition spd="slow" p14:dur="2000" advClick="0" advTm="15000"/>
+    </mc:Choice>
+    <mc:Fallback xmlns="">
+      <p:transition spd="slow" advClick="0" advTm="15000"/>
+    </mc:Fallback>
+  </mc:AlternateContent>
 </p:sldLayout>
 </file>
 
@@ -3466,7 +3561,7 @@
           <a:p>
             <a:fld id="{2FBF2595-A641-4D64-BDD8-695DAEB1FA81}" type="datetimeFigureOut">
               <a:rPr lang="en-AU" smtClean="0"/>
-              <a:t>24/07/2019</a:t>
+              <a:t>3/08/2019</a:t>
             </a:fld>
             <a:endParaRPr lang="en-AU"/>
           </a:p>
@@ -3583,6 +3678,14 @@
     <p:sldLayoutId id="2147483658" r:id="rId10"/>
     <p:sldLayoutId id="2147483659" r:id="rId11"/>
   </p:sldLayoutIdLst>
+  <mc:AlternateContent xmlns:mc="http://schemas.openxmlformats.org/markup-compatibility/2006" xmlns:p14="http://schemas.microsoft.com/office/powerpoint/2010/main">
+    <mc:Choice Requires="p14">
+      <p:transition spd="slow" p14:dur="2000" advClick="0" advTm="15000"/>
+    </mc:Choice>
+    <mc:Fallback xmlns="">
+      <p:transition spd="slow" advClick="0" advTm="15000"/>
+    </mc:Fallback>
+  </mc:AlternateContent>
   <p:txStyles>
     <p:titleStyle>
       <a:lvl1pPr algn="l" defTabSz="914400" rtl="0" eaLnBrk="1" latinLnBrk="0" hangingPunct="1">
@@ -3958,6 +4061,14 @@
   <p:clrMapOvr>
     <a:masterClrMapping/>
   </p:clrMapOvr>
+  <mc:AlternateContent xmlns:mc="http://schemas.openxmlformats.org/markup-compatibility/2006" xmlns:p14="http://schemas.microsoft.com/office/powerpoint/2010/main">
+    <mc:Choice Requires="p14">
+      <p:transition spd="slow" p14:dur="2000" advClick="0" advTm="15000"/>
+    </mc:Choice>
+    <mc:Fallback xmlns="">
+      <p:transition spd="slow" advClick="0" advTm="15000"/>
+    </mc:Fallback>
+  </mc:AlternateContent>
 </p:sld>
 </file>
 
@@ -3992,8 +4103,8 @@
         </p:nvSpPr>
         <p:spPr>
           <a:xfrm>
-            <a:off x="323162" y="3044279"/>
-            <a:ext cx="11545676" cy="769441"/>
+            <a:off x="328670" y="2621086"/>
+            <a:ext cx="11534660" cy="1615827"/>
           </a:xfrm>
           <a:prstGeom prst="rect">
             <a:avLst/>
@@ -4006,9 +4117,8 @@
           </a:bodyPr>
           <a:lstStyle/>
           <a:p>
-            <a:pPr algn="ctr"/>
-            <a:r>
-              <a:rPr lang="en-AU" sz="4400" dirty="0">
+            <a:r>
+              <a:rPr lang="en-AU" sz="3300" dirty="0">
                 <a:solidFill>
                   <a:srgbClr val="F8F8F2"/>
                 </a:solidFill>
@@ -4017,16 +4127,16 @@
               <a:t>&lt;</a:t>
             </a:r>
             <a:r>
-              <a:rPr lang="en-AU" sz="4400" dirty="0">
+              <a:rPr lang="en-AU" sz="3300" dirty="0">
                 <a:solidFill>
                   <a:srgbClr val="F92672"/>
                 </a:solidFill>
                 <a:latin typeface="Consolas" panose="020B0609020204030204" pitchFamily="49" charset="0"/>
               </a:rPr>
-              <a:t>a</a:t>
-            </a:r>
-            <a:r>
-              <a:rPr lang="en-AU" sz="4400" dirty="0">
+              <a:t>div</a:t>
+            </a:r>
+            <a:r>
+              <a:rPr lang="en-AU" sz="3300" dirty="0">
                 <a:solidFill>
                   <a:srgbClr val="F8F8F2"/>
                 </a:solidFill>
@@ -4035,16 +4145,16 @@
               <a:t> </a:t>
             </a:r>
             <a:r>
-              <a:rPr lang="en-AU" sz="4400" dirty="0" err="1">
+              <a:rPr lang="en-AU" sz="3300" dirty="0">
                 <a:solidFill>
                   <a:srgbClr val="A6E22E"/>
                 </a:solidFill>
                 <a:latin typeface="Consolas" panose="020B0609020204030204" pitchFamily="49" charset="0"/>
               </a:rPr>
-              <a:t>href</a:t>
-            </a:r>
-            <a:r>
-              <a:rPr lang="en-AU" sz="4400" dirty="0">
+              <a:t>class</a:t>
+            </a:r>
+            <a:r>
+              <a:rPr lang="en-AU" sz="3300" dirty="0">
                 <a:solidFill>
                   <a:srgbClr val="F8F8F2"/>
                 </a:solidFill>
@@ -4053,34 +4163,110 @@
               <a:t>=</a:t>
             </a:r>
             <a:r>
-              <a:rPr lang="en-AU" sz="4400" dirty="0">
+              <a:rPr lang="en-AU" sz="3300" dirty="0">
                 <a:solidFill>
                   <a:srgbClr val="E6DB74"/>
                 </a:solidFill>
                 <a:latin typeface="Consolas" panose="020B0609020204030204" pitchFamily="49" charset="0"/>
               </a:rPr>
-              <a:t>"/link"</a:t>
-            </a:r>
-            <a:r>
-              <a:rPr lang="en-AU" sz="4400" dirty="0">
+              <a:t>"title" </a:t>
+            </a:r>
+            <a:r>
+              <a:rPr lang="en-AU" sz="3300" dirty="0">
+                <a:solidFill>
+                  <a:srgbClr val="A6E22E"/>
+                </a:solidFill>
+                <a:latin typeface="Consolas" panose="020B0609020204030204" pitchFamily="49" charset="0"/>
+              </a:rPr>
+              <a:t>role</a:t>
+            </a:r>
+            <a:r>
+              <a:rPr lang="en-AU" sz="3300" dirty="0">
                 <a:solidFill>
                   <a:srgbClr val="F8F8F2"/>
                 </a:solidFill>
                 <a:latin typeface="Consolas" panose="020B0609020204030204" pitchFamily="49" charset="0"/>
               </a:rPr>
-              <a:t>&gt;Click here&lt;/</a:t>
-            </a:r>
-            <a:r>
-              <a:rPr lang="en-AU" sz="4400" dirty="0">
+              <a:t>=</a:t>
+            </a:r>
+            <a:r>
+              <a:rPr lang="en-AU" sz="3300" dirty="0">
+                <a:solidFill>
+                  <a:srgbClr val="E6DB74"/>
+                </a:solidFill>
+                <a:latin typeface="Consolas" panose="020B0609020204030204" pitchFamily="49" charset="0"/>
+              </a:rPr>
+              <a:t>"heading" </a:t>
+            </a:r>
+            <a:r>
+              <a:rPr lang="en-AU" sz="3300" dirty="0">
+                <a:solidFill>
+                  <a:srgbClr val="A6E22E"/>
+                </a:solidFill>
+                <a:latin typeface="Consolas" panose="020B0609020204030204" pitchFamily="49" charset="0"/>
+              </a:rPr>
+              <a:t>aria-level</a:t>
+            </a:r>
+            <a:r>
+              <a:rPr lang="en-AU" sz="3300" dirty="0">
+                <a:solidFill>
+                  <a:srgbClr val="F8F8F2"/>
+                </a:solidFill>
+                <a:latin typeface="Consolas" panose="020B0609020204030204" pitchFamily="49" charset="0"/>
+              </a:rPr>
+              <a:t>=</a:t>
+            </a:r>
+            <a:r>
+              <a:rPr lang="en-AU" sz="3300" dirty="0">
+                <a:solidFill>
+                  <a:srgbClr val="E6DB74"/>
+                </a:solidFill>
+                <a:latin typeface="Consolas" panose="020B0609020204030204" pitchFamily="49" charset="0"/>
+              </a:rPr>
+              <a:t>"1"</a:t>
+            </a:r>
+            <a:r>
+              <a:rPr lang="en-AU" sz="3300" dirty="0">
+                <a:solidFill>
+                  <a:srgbClr val="F8F8F2"/>
+                </a:solidFill>
+                <a:latin typeface="Consolas" panose="020B0609020204030204" pitchFamily="49" charset="0"/>
+              </a:rPr>
+              <a:t>&gt;</a:t>
+            </a:r>
+          </a:p>
+          <a:p>
+            <a:r>
+              <a:rPr lang="en-AU" sz="3300" dirty="0">
+                <a:solidFill>
+                  <a:srgbClr val="F8F8F2"/>
+                </a:solidFill>
+                <a:latin typeface="Consolas" panose="020B0609020204030204" pitchFamily="49" charset="0"/>
+              </a:rPr>
+              <a:t>	Page Title</a:t>
+            </a:r>
+          </a:p>
+          <a:p>
+            <a:r>
+              <a:rPr lang="en-AU" sz="3300" dirty="0">
+                <a:solidFill>
+                  <a:srgbClr val="F8F8F2"/>
+                </a:solidFill>
+                <a:latin typeface="Consolas" panose="020B0609020204030204" pitchFamily="49" charset="0"/>
+              </a:rPr>
+              <a:t>&lt;/</a:t>
+            </a:r>
+            <a:r>
+              <a:rPr lang="en-AU" sz="3300" dirty="0">
                 <a:solidFill>
                   <a:srgbClr val="F92672"/>
                 </a:solidFill>
                 <a:latin typeface="Consolas" panose="020B0609020204030204" pitchFamily="49" charset="0"/>
               </a:rPr>
-              <a:t>a</a:t>
-            </a:r>
-            <a:r>
-              <a:rPr lang="en-AU" sz="4400" dirty="0">
+              <a:t>div</a:t>
+            </a:r>
+            <a:r>
+              <a:rPr lang="en-AU" sz="3300" dirty="0">
                 <a:solidFill>
                   <a:srgbClr val="F8F8F2"/>
                 </a:solidFill>
@@ -4094,13 +4280,21 @@
     </p:spTree>
     <p:extLst>
       <p:ext uri="{BB962C8B-B14F-4D97-AF65-F5344CB8AC3E}">
-        <p14:creationId xmlns:p14="http://schemas.microsoft.com/office/powerpoint/2010/main" val="3327173131"/>
+        <p14:creationId xmlns:p14="http://schemas.microsoft.com/office/powerpoint/2010/main" val="3853234145"/>
       </p:ext>
     </p:extLst>
   </p:cSld>
   <p:clrMapOvr>
     <a:masterClrMapping/>
   </p:clrMapOvr>
+  <mc:AlternateContent xmlns:mc="http://schemas.openxmlformats.org/markup-compatibility/2006" xmlns:p14="http://schemas.microsoft.com/office/powerpoint/2010/main">
+    <mc:Choice Requires="p14">
+      <p:transition spd="slow" p14:dur="2000" advClick="0" advTm="15000"/>
+    </mc:Choice>
+    <mc:Fallback xmlns="">
+      <p:transition spd="slow" advClick="0" advTm="15000"/>
+    </mc:Fallback>
+  </mc:AlternateContent>
 </p:sld>
 </file>
 
@@ -4121,46 +4315,101 @@
           <a:chExt cx="0" cy="0"/>
         </a:xfrm>
       </p:grpSpPr>
-      <p:pic>
-        <p:nvPicPr>
-          <p:cNvPr id="2" name="Picture 1">
-            <a:extLst>
-              <a:ext uri="{FF2B5EF4-FFF2-40B4-BE49-F238E27FC236}">
-                <a16:creationId xmlns:a16="http://schemas.microsoft.com/office/drawing/2014/main" id="{1FBCA667-D969-4DB8-827E-70C5E6E9F051}"/>
-              </a:ext>
-            </a:extLst>
-          </p:cNvPr>
-          <p:cNvPicPr>
-            <a:picLocks noChangeAspect="1"/>
-          </p:cNvPicPr>
+      <p:sp>
+        <p:nvSpPr>
+          <p:cNvPr id="2" name="TextBox 1">
+            <a:extLst>
+              <a:ext uri="{FF2B5EF4-FFF2-40B4-BE49-F238E27FC236}">
+                <a16:creationId xmlns:a16="http://schemas.microsoft.com/office/drawing/2014/main" id="{AB7F5D95-9766-4537-AE99-599532B6C802}"/>
+              </a:ext>
+            </a:extLst>
+          </p:cNvPr>
+          <p:cNvSpPr txBox="1"/>
           <p:nvPr/>
-        </p:nvPicPr>
-        <p:blipFill>
-          <a:blip r:embed="rId2"/>
-          <a:stretch>
-            <a:fillRect/>
-          </a:stretch>
-        </p:blipFill>
+        </p:nvSpPr>
         <p:spPr>
           <a:xfrm>
-            <a:off x="0" y="0"/>
-            <a:ext cx="12192000" cy="7144488"/>
+            <a:off x="323162" y="3044279"/>
+            <a:ext cx="11545676" cy="769441"/>
           </a:xfrm>
           <a:prstGeom prst="rect">
             <a:avLst/>
           </a:prstGeom>
+          <a:noFill/>
         </p:spPr>
-      </p:pic>
+        <p:txBody>
+          <a:bodyPr wrap="square" rtlCol="0">
+            <a:spAutoFit/>
+          </a:bodyPr>
+          <a:lstStyle/>
+          <a:p>
+            <a:pPr algn="ctr"/>
+            <a:r>
+              <a:rPr lang="en-AU" sz="4400" dirty="0">
+                <a:solidFill>
+                  <a:srgbClr val="F8F8F2"/>
+                </a:solidFill>
+                <a:latin typeface="Consolas" panose="020B0609020204030204" pitchFamily="49" charset="0"/>
+              </a:rPr>
+              <a:t>&lt;</a:t>
+            </a:r>
+            <a:r>
+              <a:rPr lang="en-AU" sz="4400" dirty="0">
+                <a:solidFill>
+                  <a:srgbClr val="F92672"/>
+                </a:solidFill>
+                <a:latin typeface="Consolas" panose="020B0609020204030204" pitchFamily="49" charset="0"/>
+              </a:rPr>
+              <a:t>h1</a:t>
+            </a:r>
+            <a:r>
+              <a:rPr lang="en-AU" sz="4400" dirty="0">
+                <a:solidFill>
+                  <a:srgbClr val="F8F8F2"/>
+                </a:solidFill>
+                <a:latin typeface="Consolas" panose="020B0609020204030204" pitchFamily="49" charset="0"/>
+              </a:rPr>
+              <a:t>&gt;Page Title&lt;/</a:t>
+            </a:r>
+            <a:r>
+              <a:rPr lang="en-AU" sz="4400" dirty="0">
+                <a:solidFill>
+                  <a:srgbClr val="F92672"/>
+                </a:solidFill>
+                <a:latin typeface="Consolas" panose="020B0609020204030204" pitchFamily="49" charset="0"/>
+              </a:rPr>
+              <a:t>h1</a:t>
+            </a:r>
+            <a:r>
+              <a:rPr lang="en-AU" sz="4400" dirty="0">
+                <a:solidFill>
+                  <a:srgbClr val="F8F8F2"/>
+                </a:solidFill>
+                <a:latin typeface="Consolas" panose="020B0609020204030204" pitchFamily="49" charset="0"/>
+              </a:rPr>
+              <a:t>&gt;</a:t>
+            </a:r>
+          </a:p>
+        </p:txBody>
+      </p:sp>
     </p:spTree>
     <p:extLst>
       <p:ext uri="{BB962C8B-B14F-4D97-AF65-F5344CB8AC3E}">
-        <p14:creationId xmlns:p14="http://schemas.microsoft.com/office/powerpoint/2010/main" val="4004584289"/>
+        <p14:creationId xmlns:p14="http://schemas.microsoft.com/office/powerpoint/2010/main" val="3451575664"/>
       </p:ext>
     </p:extLst>
   </p:cSld>
   <p:clrMapOvr>
     <a:masterClrMapping/>
   </p:clrMapOvr>
+  <mc:AlternateContent xmlns:mc="http://schemas.openxmlformats.org/markup-compatibility/2006" xmlns:p14="http://schemas.microsoft.com/office/powerpoint/2010/main">
+    <mc:Choice Requires="p14">
+      <p:transition spd="slow" p14:dur="2000" advClick="0" advTm="15000"/>
+    </mc:Choice>
+    <mc:Fallback xmlns="">
+      <p:transition spd="slow" advClick="0" advTm="15000"/>
+    </mc:Fallback>
+  </mc:AlternateContent>
 </p:sld>
 </file>
 
@@ -4195,8 +4444,8 @@
         </p:nvSpPr>
         <p:spPr>
           <a:xfrm>
-            <a:off x="3335037" y="2367171"/>
-            <a:ext cx="5521925" cy="2123658"/>
+            <a:off x="323162" y="920621"/>
+            <a:ext cx="11545676" cy="5016758"/>
           </a:xfrm>
           <a:prstGeom prst="rect">
             <a:avLst/>
@@ -4210,7 +4459,7 @@
           <a:lstStyle/>
           <a:p>
             <a:r>
-              <a:rPr lang="en-AU" sz="4400" dirty="0">
+              <a:rPr lang="en-AU" sz="3200" dirty="0">
                 <a:solidFill>
                   <a:srgbClr val="F8F8F2"/>
                 </a:solidFill>
@@ -4219,16 +4468,16 @@
               <a:t>&lt;</a:t>
             </a:r>
             <a:r>
-              <a:rPr lang="en-AU" sz="4400" dirty="0">
+              <a:rPr lang="en-AU" sz="3200" dirty="0">
                 <a:solidFill>
                   <a:srgbClr val="F92672"/>
                 </a:solidFill>
                 <a:latin typeface="Consolas" panose="020B0609020204030204" pitchFamily="49" charset="0"/>
               </a:rPr>
-              <a:t>a</a:t>
-            </a:r>
-            <a:r>
-              <a:rPr lang="en-AU" sz="4400" dirty="0">
+              <a:t>div</a:t>
+            </a:r>
+            <a:r>
+              <a:rPr lang="en-AU" sz="3200" dirty="0">
                 <a:solidFill>
                   <a:srgbClr val="F8F8F2"/>
                 </a:solidFill>
@@ -4237,16 +4486,16 @@
               <a:t> </a:t>
             </a:r>
             <a:r>
-              <a:rPr lang="en-AU" sz="4400" dirty="0">
+              <a:rPr lang="en-AU" sz="3200" dirty="0">
                 <a:solidFill>
                   <a:srgbClr val="A6E22E"/>
                 </a:solidFill>
                 <a:latin typeface="Consolas" panose="020B0609020204030204" pitchFamily="49" charset="0"/>
               </a:rPr>
-              <a:t>role</a:t>
-            </a:r>
-            <a:r>
-              <a:rPr lang="en-AU" sz="4400" dirty="0">
+              <a:t>class</a:t>
+            </a:r>
+            <a:r>
+              <a:rPr lang="en-AU" sz="3200" dirty="0">
                 <a:solidFill>
                   <a:srgbClr val="F8F8F2"/>
                 </a:solidFill>
@@ -4255,38 +4504,119 @@
               <a:t>=</a:t>
             </a:r>
             <a:r>
-              <a:rPr lang="en-AU" sz="4400" dirty="0">
+              <a:rPr lang="en-AU" sz="3200" dirty="0">
                 <a:solidFill>
                   <a:srgbClr val="E6DB74"/>
                 </a:solidFill>
                 <a:latin typeface="Consolas" panose="020B0609020204030204" pitchFamily="49" charset="0"/>
               </a:rPr>
-              <a:t>"button"</a:t>
-            </a:r>
-            <a:r>
-              <a:rPr lang="en-AU" sz="4400" dirty="0">
+              <a:t>"link"</a:t>
+            </a:r>
+            <a:r>
+              <a:rPr lang="en-AU" sz="3200" dirty="0">
                 <a:solidFill>
                   <a:srgbClr val="F8F8F2"/>
                 </a:solidFill>
                 <a:latin typeface="Consolas" panose="020B0609020204030204" pitchFamily="49" charset="0"/>
               </a:rPr>
+              <a:t> </a:t>
+            </a:r>
+            <a:r>
+              <a:rPr lang="en-AU" sz="3200" dirty="0">
+                <a:solidFill>
+                  <a:srgbClr val="A6E22E"/>
+                </a:solidFill>
+                <a:latin typeface="Consolas" panose="020B0609020204030204" pitchFamily="49" charset="0"/>
+              </a:rPr>
+              <a:t>onclick</a:t>
+            </a:r>
+            <a:r>
+              <a:rPr lang="en-AU" sz="3200" dirty="0">
+                <a:solidFill>
+                  <a:srgbClr val="F8F8F2"/>
+                </a:solidFill>
+                <a:latin typeface="Consolas" panose="020B0609020204030204" pitchFamily="49" charset="0"/>
+              </a:rPr>
+              <a:t>=</a:t>
+            </a:r>
+            <a:r>
+              <a:rPr lang="en-AU" sz="3200" dirty="0">
+                <a:solidFill>
+                  <a:srgbClr val="E6DB74"/>
+                </a:solidFill>
+                <a:latin typeface="Consolas" panose="020B0609020204030204" pitchFamily="49" charset="0"/>
+              </a:rPr>
+              <a:t>"</a:t>
+            </a:r>
+            <a:r>
+              <a:rPr lang="en-AU" sz="3200" dirty="0" err="1">
+                <a:solidFill>
+                  <a:srgbClr val="F8F8F2"/>
+                </a:solidFill>
+                <a:latin typeface="Consolas" panose="020B0609020204030204" pitchFamily="49" charset="0"/>
+              </a:rPr>
+              <a:t>location</a:t>
+            </a:r>
+            <a:r>
+              <a:rPr lang="en-AU" sz="3200" dirty="0" err="1">
+                <a:solidFill>
+                  <a:srgbClr val="E6DB74"/>
+                </a:solidFill>
+                <a:latin typeface="Consolas" panose="020B0609020204030204" pitchFamily="49" charset="0"/>
+              </a:rPr>
+              <a:t>.</a:t>
+            </a:r>
+            <a:r>
+              <a:rPr lang="en-AU" sz="3200" dirty="0" err="1">
+                <a:solidFill>
+                  <a:srgbClr val="F8F8F2"/>
+                </a:solidFill>
+                <a:latin typeface="Consolas" panose="020B0609020204030204" pitchFamily="49" charset="0"/>
+              </a:rPr>
+              <a:t>href</a:t>
+            </a:r>
+            <a:r>
+              <a:rPr lang="en-AU" sz="3200" dirty="0">
+                <a:solidFill>
+                  <a:srgbClr val="F92672"/>
+                </a:solidFill>
+                <a:latin typeface="Consolas" panose="020B0609020204030204" pitchFamily="49" charset="0"/>
+              </a:rPr>
+              <a:t>=</a:t>
+            </a:r>
+            <a:r>
+              <a:rPr lang="en-AU" sz="3200" dirty="0">
+                <a:solidFill>
+                  <a:srgbClr val="E6DB74"/>
+                </a:solidFill>
+                <a:latin typeface="Consolas" panose="020B0609020204030204" pitchFamily="49" charset="0"/>
+              </a:rPr>
+              <a:t>'/link’”</a:t>
+            </a:r>
+            <a:r>
+              <a:rPr lang="en-AU" sz="3200" dirty="0">
+                <a:solidFill>
+                  <a:srgbClr val="F8F8F2"/>
+                </a:solidFill>
+                <a:latin typeface="Consolas" panose="020B0609020204030204" pitchFamily="49" charset="0"/>
+              </a:rPr>
               <a:t>&gt;</a:t>
             </a:r>
           </a:p>
           <a:p>
             <a:r>
-              <a:rPr lang="en-AU" sz="4400" dirty="0">
+              <a:rPr lang="en-AU" sz="3200" dirty="0">
                 <a:solidFill>
                   <a:srgbClr val="F8F8F2"/>
                 </a:solidFill>
                 <a:latin typeface="Consolas" panose="020B0609020204030204" pitchFamily="49" charset="0"/>
               </a:rPr>
-              <a:t>	Next</a:t>
-            </a:r>
-          </a:p>
-          <a:p>
-            <a:r>
-              <a:rPr lang="en-AU" sz="4400" dirty="0">
+              <a:t>	Click here</a:t>
+            </a:r>
+          </a:p>
+          <a:p>
+            <a:r>
+              <a:rPr lang="en-AU" sz="3200" dirty="0">
                 <a:solidFill>
                   <a:srgbClr val="F8F8F2"/>
                 </a:solidFill>
@@ -4295,22 +4625,192 @@
               <a:t>&lt;/</a:t>
             </a:r>
             <a:r>
-              <a:rPr lang="en-AU" sz="4400" dirty="0">
+              <a:rPr lang="en-AU" sz="3200" dirty="0">
                 <a:solidFill>
                   <a:srgbClr val="F92672"/>
                 </a:solidFill>
                 <a:latin typeface="Consolas" panose="020B0609020204030204" pitchFamily="49" charset="0"/>
               </a:rPr>
-              <a:t>a</a:t>
-            </a:r>
-            <a:r>
-              <a:rPr lang="en-AU" sz="4400" dirty="0">
+              <a:t>div</a:t>
+            </a:r>
+            <a:r>
+              <a:rPr lang="en-AU" sz="3200" dirty="0">
                 <a:solidFill>
                   <a:srgbClr val="F8F8F2"/>
                 </a:solidFill>
                 <a:latin typeface="Consolas" panose="020B0609020204030204" pitchFamily="49" charset="0"/>
               </a:rPr>
               <a:t>&gt;</a:t>
+            </a:r>
+          </a:p>
+          <a:p>
+            <a:endParaRPr lang="en-AU" sz="3200" dirty="0">
+              <a:solidFill>
+                <a:srgbClr val="F8F8F2"/>
+              </a:solidFill>
+              <a:latin typeface="Consolas" panose="020B0609020204030204" pitchFamily="49" charset="0"/>
+            </a:endParaRPr>
+          </a:p>
+          <a:p>
+            <a:endParaRPr lang="en-AU" sz="3200" dirty="0">
+              <a:solidFill>
+                <a:srgbClr val="F8F8F2"/>
+              </a:solidFill>
+              <a:latin typeface="Consolas" panose="020B0609020204030204" pitchFamily="49" charset="0"/>
+            </a:endParaRPr>
+          </a:p>
+          <a:p>
+            <a:r>
+              <a:rPr lang="en-AU" sz="3200" dirty="0">
+                <a:solidFill>
+                  <a:srgbClr val="A6E22E"/>
+                </a:solidFill>
+                <a:latin typeface="Consolas" panose="020B0609020204030204" pitchFamily="49" charset="0"/>
+              </a:rPr>
+              <a:t>.link</a:t>
+            </a:r>
+            <a:r>
+              <a:rPr lang="en-AU" sz="3200" dirty="0">
+                <a:solidFill>
+                  <a:srgbClr val="F8F8F2"/>
+                </a:solidFill>
+                <a:latin typeface="Consolas" panose="020B0609020204030204" pitchFamily="49" charset="0"/>
+              </a:rPr>
+              <a:t> {</a:t>
+            </a:r>
+          </a:p>
+          <a:p>
+            <a:r>
+              <a:rPr lang="en-AU" sz="3200" i="1" dirty="0">
+                <a:solidFill>
+                  <a:srgbClr val="66D9EF"/>
+                </a:solidFill>
+                <a:latin typeface="Consolas" panose="020B0609020204030204" pitchFamily="49" charset="0"/>
+              </a:rPr>
+              <a:t>	</a:t>
+            </a:r>
+            <a:r>
+              <a:rPr lang="en-AU" sz="3200" i="1" dirty="0" err="1">
+                <a:solidFill>
+                  <a:srgbClr val="66D9EF"/>
+                </a:solidFill>
+                <a:latin typeface="Consolas" panose="020B0609020204030204" pitchFamily="49" charset="0"/>
+              </a:rPr>
+              <a:t>color</a:t>
+            </a:r>
+            <a:r>
+              <a:rPr lang="en-AU" sz="3200" dirty="0">
+                <a:solidFill>
+                  <a:srgbClr val="F8F8F2"/>
+                </a:solidFill>
+                <a:latin typeface="Consolas" panose="020B0609020204030204" pitchFamily="49" charset="0"/>
+              </a:rPr>
+              <a:t>: </a:t>
+            </a:r>
+            <a:r>
+              <a:rPr lang="en-AU" sz="3200" dirty="0" err="1">
+                <a:solidFill>
+                  <a:srgbClr val="66D9EF"/>
+                </a:solidFill>
+                <a:latin typeface="Consolas" panose="020B0609020204030204" pitchFamily="49" charset="0"/>
+              </a:rPr>
+              <a:t>navajoWhite</a:t>
+            </a:r>
+            <a:r>
+              <a:rPr lang="en-AU" sz="3200" dirty="0">
+                <a:solidFill>
+                  <a:srgbClr val="F8F8F2"/>
+                </a:solidFill>
+                <a:latin typeface="Consolas" panose="020B0609020204030204" pitchFamily="49" charset="0"/>
+              </a:rPr>
+              <a:t>;</a:t>
+            </a:r>
+          </a:p>
+          <a:p>
+            <a:r>
+              <a:rPr lang="en-AU" sz="3200" i="1" dirty="0">
+                <a:solidFill>
+                  <a:srgbClr val="66D9EF"/>
+                </a:solidFill>
+                <a:latin typeface="Consolas" panose="020B0609020204030204" pitchFamily="49" charset="0"/>
+              </a:rPr>
+              <a:t>	cursor</a:t>
+            </a:r>
+            <a:r>
+              <a:rPr lang="en-AU" sz="3200" dirty="0">
+                <a:solidFill>
+                  <a:srgbClr val="F8F8F2"/>
+                </a:solidFill>
+                <a:latin typeface="Consolas" panose="020B0609020204030204" pitchFamily="49" charset="0"/>
+              </a:rPr>
+              <a:t>: </a:t>
+            </a:r>
+            <a:r>
+              <a:rPr lang="en-AU" sz="3200" dirty="0">
+                <a:solidFill>
+                  <a:srgbClr val="66D9EF"/>
+                </a:solidFill>
+                <a:latin typeface="Consolas" panose="020B0609020204030204" pitchFamily="49" charset="0"/>
+              </a:rPr>
+              <a:t>pointer</a:t>
+            </a:r>
+            <a:r>
+              <a:rPr lang="en-AU" sz="3200" dirty="0">
+                <a:solidFill>
+                  <a:srgbClr val="F8F8F2"/>
+                </a:solidFill>
+                <a:latin typeface="Consolas" panose="020B0609020204030204" pitchFamily="49" charset="0"/>
+              </a:rPr>
+              <a:t>;</a:t>
+            </a:r>
+          </a:p>
+          <a:p>
+            <a:r>
+              <a:rPr lang="en-AU" sz="3200" i="1" dirty="0">
+                <a:solidFill>
+                  <a:srgbClr val="66D9EF"/>
+                </a:solidFill>
+                <a:latin typeface="Consolas" panose="020B0609020204030204" pitchFamily="49" charset="0"/>
+              </a:rPr>
+              <a:t>	text-decoration</a:t>
+            </a:r>
+            <a:r>
+              <a:rPr lang="en-AU" sz="3200" dirty="0">
+                <a:solidFill>
+                  <a:srgbClr val="F8F8F2"/>
+                </a:solidFill>
+                <a:latin typeface="Consolas" panose="020B0609020204030204" pitchFamily="49" charset="0"/>
+              </a:rPr>
+              <a:t>: </a:t>
+            </a:r>
+            <a:r>
+              <a:rPr lang="en-AU" sz="3200" dirty="0">
+                <a:solidFill>
+                  <a:srgbClr val="66D9EF"/>
+                </a:solidFill>
+                <a:latin typeface="Consolas" panose="020B0609020204030204" pitchFamily="49" charset="0"/>
+              </a:rPr>
+              <a:t>underline</a:t>
+            </a:r>
+            <a:r>
+              <a:rPr lang="en-AU" sz="3200" dirty="0">
+                <a:solidFill>
+                  <a:srgbClr val="F8F8F2"/>
+                </a:solidFill>
+                <a:latin typeface="Consolas" panose="020B0609020204030204" pitchFamily="49" charset="0"/>
+              </a:rPr>
+              <a:t>;</a:t>
+            </a:r>
+          </a:p>
+          <a:p>
+            <a:r>
+              <a:rPr lang="en-AU" sz="3200" dirty="0">
+                <a:solidFill>
+                  <a:srgbClr val="F8F8F2"/>
+                </a:solidFill>
+                <a:latin typeface="Consolas" panose="020B0609020204030204" pitchFamily="49" charset="0"/>
+              </a:rPr>
+              <a:t>}</a:t>
             </a:r>
           </a:p>
         </p:txBody>
@@ -4318,13 +4818,21 @@
     </p:spTree>
     <p:extLst>
       <p:ext uri="{BB962C8B-B14F-4D97-AF65-F5344CB8AC3E}">
-        <p14:creationId xmlns:p14="http://schemas.microsoft.com/office/powerpoint/2010/main" val="201675075"/>
+        <p14:creationId xmlns:p14="http://schemas.microsoft.com/office/powerpoint/2010/main" val="1594486049"/>
       </p:ext>
     </p:extLst>
   </p:cSld>
   <p:clrMapOvr>
     <a:masterClrMapping/>
   </p:clrMapOvr>
+  <mc:AlternateContent xmlns:mc="http://schemas.openxmlformats.org/markup-compatibility/2006" xmlns:p14="http://schemas.microsoft.com/office/powerpoint/2010/main">
+    <mc:Choice Requires="p14">
+      <p:transition spd="slow" p14:dur="2000" advClick="0" advTm="15000"/>
+    </mc:Choice>
+    <mc:Fallback xmlns="">
+      <p:transition spd="slow" advClick="0" advTm="15000"/>
+    </mc:Fallback>
+  </mc:AlternateContent>
 </p:sld>
 </file>
 
@@ -4345,12 +4853,163 @@
           <a:chExt cx="0" cy="0"/>
         </a:xfrm>
       </p:grpSpPr>
+      <p:sp>
+        <p:nvSpPr>
+          <p:cNvPr id="2" name="TextBox 1">
+            <a:extLst>
+              <a:ext uri="{FF2B5EF4-FFF2-40B4-BE49-F238E27FC236}">
+                <a16:creationId xmlns:a16="http://schemas.microsoft.com/office/drawing/2014/main" id="{AB7F5D95-9766-4537-AE99-599532B6C802}"/>
+              </a:ext>
+            </a:extLst>
+          </p:cNvPr>
+          <p:cNvSpPr txBox="1"/>
+          <p:nvPr/>
+        </p:nvSpPr>
+        <p:spPr>
+          <a:xfrm>
+            <a:off x="323162" y="3044279"/>
+            <a:ext cx="11545676" cy="769441"/>
+          </a:xfrm>
+          <a:prstGeom prst="rect">
+            <a:avLst/>
+          </a:prstGeom>
+          <a:noFill/>
+        </p:spPr>
+        <p:txBody>
+          <a:bodyPr wrap="square" rtlCol="0">
+            <a:spAutoFit/>
+          </a:bodyPr>
+          <a:lstStyle/>
+          <a:p>
+            <a:pPr algn="ctr"/>
+            <a:r>
+              <a:rPr lang="en-AU" sz="4400" dirty="0">
+                <a:solidFill>
+                  <a:srgbClr val="F8F8F2"/>
+                </a:solidFill>
+                <a:latin typeface="Consolas" panose="020B0609020204030204" pitchFamily="49" charset="0"/>
+              </a:rPr>
+              <a:t>&lt;</a:t>
+            </a:r>
+            <a:r>
+              <a:rPr lang="en-AU" sz="4400" dirty="0">
+                <a:solidFill>
+                  <a:srgbClr val="F92672"/>
+                </a:solidFill>
+                <a:latin typeface="Consolas" panose="020B0609020204030204" pitchFamily="49" charset="0"/>
+              </a:rPr>
+              <a:t>a</a:t>
+            </a:r>
+            <a:r>
+              <a:rPr lang="en-AU" sz="4400" dirty="0">
+                <a:solidFill>
+                  <a:srgbClr val="F8F8F2"/>
+                </a:solidFill>
+                <a:latin typeface="Consolas" panose="020B0609020204030204" pitchFamily="49" charset="0"/>
+              </a:rPr>
+              <a:t> </a:t>
+            </a:r>
+            <a:r>
+              <a:rPr lang="en-AU" sz="4400" dirty="0" err="1">
+                <a:solidFill>
+                  <a:srgbClr val="A6E22E"/>
+                </a:solidFill>
+                <a:latin typeface="Consolas" panose="020B0609020204030204" pitchFamily="49" charset="0"/>
+              </a:rPr>
+              <a:t>href</a:t>
+            </a:r>
+            <a:r>
+              <a:rPr lang="en-AU" sz="4400" dirty="0">
+                <a:solidFill>
+                  <a:srgbClr val="F8F8F2"/>
+                </a:solidFill>
+                <a:latin typeface="Consolas" panose="020B0609020204030204" pitchFamily="49" charset="0"/>
+              </a:rPr>
+              <a:t>=</a:t>
+            </a:r>
+            <a:r>
+              <a:rPr lang="en-AU" sz="4400" dirty="0">
+                <a:solidFill>
+                  <a:srgbClr val="E6DB74"/>
+                </a:solidFill>
+                <a:latin typeface="Consolas" panose="020B0609020204030204" pitchFamily="49" charset="0"/>
+              </a:rPr>
+              <a:t>"/link"</a:t>
+            </a:r>
+            <a:r>
+              <a:rPr lang="en-AU" sz="4400" dirty="0">
+                <a:solidFill>
+                  <a:srgbClr val="F8F8F2"/>
+                </a:solidFill>
+                <a:latin typeface="Consolas" panose="020B0609020204030204" pitchFamily="49" charset="0"/>
+              </a:rPr>
+              <a:t>&gt;Click here&lt;/</a:t>
+            </a:r>
+            <a:r>
+              <a:rPr lang="en-AU" sz="4400" dirty="0">
+                <a:solidFill>
+                  <a:srgbClr val="F92672"/>
+                </a:solidFill>
+                <a:latin typeface="Consolas" panose="020B0609020204030204" pitchFamily="49" charset="0"/>
+              </a:rPr>
+              <a:t>a</a:t>
+            </a:r>
+            <a:r>
+              <a:rPr lang="en-AU" sz="4400" dirty="0">
+                <a:solidFill>
+                  <a:srgbClr val="F8F8F2"/>
+                </a:solidFill>
+                <a:latin typeface="Consolas" panose="020B0609020204030204" pitchFamily="49" charset="0"/>
+              </a:rPr>
+              <a:t>&gt;</a:t>
+            </a:r>
+          </a:p>
+        </p:txBody>
+      </p:sp>
+    </p:spTree>
+    <p:extLst>
+      <p:ext uri="{BB962C8B-B14F-4D97-AF65-F5344CB8AC3E}">
+        <p14:creationId xmlns:p14="http://schemas.microsoft.com/office/powerpoint/2010/main" val="3327173131"/>
+      </p:ext>
+    </p:extLst>
+  </p:cSld>
+  <p:clrMapOvr>
+    <a:masterClrMapping/>
+  </p:clrMapOvr>
+  <mc:AlternateContent xmlns:mc="http://schemas.openxmlformats.org/markup-compatibility/2006" xmlns:p14="http://schemas.microsoft.com/office/powerpoint/2010/main">
+    <mc:Choice Requires="p14">
+      <p:transition spd="slow" p14:dur="2000" advClick="0" advTm="15000"/>
+    </mc:Choice>
+    <mc:Fallback xmlns="">
+      <p:transition spd="slow" advClick="0" advTm="15000"/>
+    </mc:Fallback>
+  </mc:AlternateContent>
+</p:sld>
+</file>
+
+<file path=ppt/slides/slide14.xml><?xml version="1.0" encoding="utf-8"?>
+<p:sld xmlns:a="http://schemas.openxmlformats.org/drawingml/2006/main" xmlns:r="http://schemas.openxmlformats.org/officeDocument/2006/relationships" xmlns:p="http://schemas.openxmlformats.org/presentationml/2006/main">
+  <p:cSld>
+    <p:spTree>
+      <p:nvGrpSpPr>
+        <p:cNvPr id="1" name=""/>
+        <p:cNvGrpSpPr/>
+        <p:nvPr/>
+      </p:nvGrpSpPr>
+      <p:grpSpPr>
+        <a:xfrm>
+          <a:off x="0" y="0"/>
+          <a:ext cx="0" cy="0"/>
+          <a:chOff x="0" y="0"/>
+          <a:chExt cx="0" cy="0"/>
+        </a:xfrm>
+      </p:grpSpPr>
       <p:pic>
         <p:nvPicPr>
-          <p:cNvPr id="4" name="Picture 3">
-            <a:extLst>
-              <a:ext uri="{FF2B5EF4-FFF2-40B4-BE49-F238E27FC236}">
-                <a16:creationId xmlns:a16="http://schemas.microsoft.com/office/drawing/2014/main" id="{5869A01D-4FB1-46D2-B05E-C48A6E5055C7}"/>
+          <p:cNvPr id="3" name="Picture 2">
+            <a:extLst>
+              <a:ext uri="{FF2B5EF4-FFF2-40B4-BE49-F238E27FC236}">
+                <a16:creationId xmlns:a16="http://schemas.microsoft.com/office/drawing/2014/main" id="{4BC363FD-2EC5-47A1-A1C7-64A773FF36E8}"/>
               </a:ext>
             </a:extLst>
           </p:cNvPr>
@@ -4367,381 +5026,504 @@
         </p:blipFill>
         <p:spPr>
           <a:xfrm>
-            <a:off x="729472" y="-3551"/>
-            <a:ext cx="10733056" cy="6861551"/>
+            <a:off x="0" y="0"/>
+            <a:ext cx="12192000" cy="7366854"/>
           </a:xfrm>
           <a:prstGeom prst="rect">
             <a:avLst/>
           </a:prstGeom>
         </p:spPr>
       </p:pic>
-      <mc:AlternateContent xmlns:mc="http://schemas.openxmlformats.org/markup-compatibility/2006" xmlns:p14="http://schemas.microsoft.com/office/powerpoint/2010/main">
-        <mc:Choice Requires="p14">
-          <p:contentPart p14:bwMode="auto" r:id="rId3">
-            <p14:nvContentPartPr>
-              <p14:cNvPr id="5" name="Ink 4">
-                <a:extLst>
-                  <a:ext uri="{FF2B5EF4-FFF2-40B4-BE49-F238E27FC236}">
-                    <a16:creationId xmlns:a16="http://schemas.microsoft.com/office/drawing/2014/main" id="{516A3C7D-1BA1-4C1E-84B6-8E12FC0CED1B}"/>
-                  </a:ext>
-                </a:extLst>
-              </p14:cNvPr>
-              <p14:cNvContentPartPr/>
-              <p14:nvPr/>
-            </p14:nvContentPartPr>
-            <p14:xfrm>
-              <a:off x="1309692" y="501062"/>
-              <a:ext cx="568080" cy="493200"/>
-            </p14:xfrm>
-          </p:contentPart>
-        </mc:Choice>
-        <mc:Fallback xmlns="">
-          <p:pic>
-            <p:nvPicPr>
-              <p:cNvPr id="5" name="Ink 4">
-                <a:extLst>
-                  <a:ext uri="{FF2B5EF4-FFF2-40B4-BE49-F238E27FC236}">
-                    <a16:creationId xmlns:a16="http://schemas.microsoft.com/office/drawing/2014/main" id="{516A3C7D-1BA1-4C1E-84B6-8E12FC0CED1B}"/>
-                  </a:ext>
-                </a:extLst>
-              </p:cNvPr>
-              <p:cNvPicPr/>
-              <p:nvPr/>
-            </p:nvPicPr>
-            <p:blipFill>
-              <a:blip r:embed="rId4"/>
-              <a:stretch>
-                <a:fillRect/>
-              </a:stretch>
-            </p:blipFill>
-            <p:spPr>
-              <a:xfrm>
-                <a:off x="1301052" y="492062"/>
-                <a:ext cx="585720" cy="510840"/>
-              </a:xfrm>
-              <a:prstGeom prst="rect">
-                <a:avLst/>
-              </a:prstGeom>
-            </p:spPr>
-          </p:pic>
-        </mc:Fallback>
-      </mc:AlternateContent>
-      <mc:AlternateContent xmlns:mc="http://schemas.openxmlformats.org/markup-compatibility/2006" xmlns:p14="http://schemas.microsoft.com/office/powerpoint/2010/main">
-        <mc:Choice Requires="p14">
-          <p:contentPart p14:bwMode="auto" r:id="rId5">
-            <p14:nvContentPartPr>
-              <p14:cNvPr id="6" name="Ink 5">
-                <a:extLst>
-                  <a:ext uri="{FF2B5EF4-FFF2-40B4-BE49-F238E27FC236}">
-                    <a16:creationId xmlns:a16="http://schemas.microsoft.com/office/drawing/2014/main" id="{F717CCFB-94B2-459A-897B-7AF72261F74D}"/>
-                  </a:ext>
-                </a:extLst>
-              </p14:cNvPr>
-              <p14:cNvContentPartPr/>
-              <p14:nvPr/>
-            </p14:nvContentPartPr>
-            <p14:xfrm>
-              <a:off x="1162452" y="491702"/>
-              <a:ext cx="747360" cy="714600"/>
-            </p14:xfrm>
-          </p:contentPart>
-        </mc:Choice>
-        <mc:Fallback xmlns="">
-          <p:pic>
-            <p:nvPicPr>
-              <p:cNvPr id="6" name="Ink 5">
-                <a:extLst>
-                  <a:ext uri="{FF2B5EF4-FFF2-40B4-BE49-F238E27FC236}">
-                    <a16:creationId xmlns:a16="http://schemas.microsoft.com/office/drawing/2014/main" id="{F717CCFB-94B2-459A-897B-7AF72261F74D}"/>
-                  </a:ext>
-                </a:extLst>
-              </p:cNvPr>
-              <p:cNvPicPr/>
-              <p:nvPr/>
-            </p:nvPicPr>
-            <p:blipFill>
-              <a:blip r:embed="rId6"/>
-              <a:stretch>
-                <a:fillRect/>
-              </a:stretch>
-            </p:blipFill>
-            <p:spPr>
-              <a:xfrm>
-                <a:off x="1099452" y="428702"/>
-                <a:ext cx="873000" cy="840240"/>
-              </a:xfrm>
-              <a:prstGeom prst="rect">
-                <a:avLst/>
-              </a:prstGeom>
-            </p:spPr>
-          </p:pic>
-        </mc:Fallback>
-      </mc:AlternateContent>
-      <mc:AlternateContent xmlns:mc="http://schemas.openxmlformats.org/markup-compatibility/2006" xmlns:p14="http://schemas.microsoft.com/office/powerpoint/2010/main">
-        <mc:Choice Requires="p14">
-          <p:contentPart p14:bwMode="auto" r:id="rId7">
-            <p14:nvContentPartPr>
-              <p14:cNvPr id="11" name="Ink 10">
-                <a:extLst>
-                  <a:ext uri="{FF2B5EF4-FFF2-40B4-BE49-F238E27FC236}">
-                    <a16:creationId xmlns:a16="http://schemas.microsoft.com/office/drawing/2014/main" id="{76BDA12D-42E8-45D0-8718-681EA5DA8AA6}"/>
-                  </a:ext>
-                </a:extLst>
-              </p14:cNvPr>
-              <p14:cNvContentPartPr/>
-              <p14:nvPr/>
-            </p14:nvContentPartPr>
-            <p14:xfrm>
-              <a:off x="2122932" y="987782"/>
-              <a:ext cx="1537560" cy="139680"/>
-            </p14:xfrm>
-          </p:contentPart>
-        </mc:Choice>
-        <mc:Fallback xmlns="">
-          <p:pic>
-            <p:nvPicPr>
-              <p:cNvPr id="11" name="Ink 10">
-                <a:extLst>
-                  <a:ext uri="{FF2B5EF4-FFF2-40B4-BE49-F238E27FC236}">
-                    <a16:creationId xmlns:a16="http://schemas.microsoft.com/office/drawing/2014/main" id="{76BDA12D-42E8-45D0-8718-681EA5DA8AA6}"/>
-                  </a:ext>
-                </a:extLst>
-              </p:cNvPr>
-              <p:cNvPicPr/>
-              <p:nvPr/>
-            </p:nvPicPr>
-            <p:blipFill>
-              <a:blip r:embed="rId8"/>
-              <a:stretch>
-                <a:fillRect/>
-              </a:stretch>
-            </p:blipFill>
-            <p:spPr>
-              <a:xfrm>
-                <a:off x="2060292" y="925142"/>
-                <a:ext cx="1663200" cy="265320"/>
-              </a:xfrm>
-              <a:prstGeom prst="rect">
-                <a:avLst/>
-              </a:prstGeom>
-            </p:spPr>
-          </p:pic>
-        </mc:Fallback>
-      </mc:AlternateContent>
-      <mc:AlternateContent xmlns:mc="http://schemas.openxmlformats.org/markup-compatibility/2006" xmlns:p14="http://schemas.microsoft.com/office/powerpoint/2010/main">
-        <mc:Choice Requires="p14">
-          <p:contentPart p14:bwMode="auto" r:id="rId9">
-            <p14:nvContentPartPr>
-              <p14:cNvPr id="12" name="Ink 11">
-                <a:extLst>
-                  <a:ext uri="{FF2B5EF4-FFF2-40B4-BE49-F238E27FC236}">
-                    <a16:creationId xmlns:a16="http://schemas.microsoft.com/office/drawing/2014/main" id="{A84010E0-4EAA-47EF-8E76-F77856729DF4}"/>
-                  </a:ext>
-                </a:extLst>
-              </p14:cNvPr>
-              <p14:cNvContentPartPr/>
-              <p14:nvPr/>
-            </p14:nvContentPartPr>
-            <p14:xfrm>
-              <a:off x="2121132" y="622742"/>
-              <a:ext cx="2635920" cy="101520"/>
-            </p14:xfrm>
-          </p:contentPart>
-        </mc:Choice>
-        <mc:Fallback xmlns="">
-          <p:pic>
-            <p:nvPicPr>
-              <p:cNvPr id="12" name="Ink 11">
-                <a:extLst>
-                  <a:ext uri="{FF2B5EF4-FFF2-40B4-BE49-F238E27FC236}">
-                    <a16:creationId xmlns:a16="http://schemas.microsoft.com/office/drawing/2014/main" id="{A84010E0-4EAA-47EF-8E76-F77856729DF4}"/>
-                  </a:ext>
-                </a:extLst>
-              </p:cNvPr>
-              <p:cNvPicPr/>
-              <p:nvPr/>
-            </p:nvPicPr>
-            <p:blipFill>
-              <a:blip r:embed="rId10"/>
-              <a:stretch>
-                <a:fillRect/>
-              </a:stretch>
-            </p:blipFill>
-            <p:spPr>
-              <a:xfrm>
-                <a:off x="2058132" y="559742"/>
-                <a:ext cx="2761560" cy="227160"/>
-              </a:xfrm>
-              <a:prstGeom prst="rect">
-                <a:avLst/>
-              </a:prstGeom>
-            </p:spPr>
-          </p:pic>
-        </mc:Fallback>
-      </mc:AlternateContent>
-      <mc:AlternateContent xmlns:mc="http://schemas.openxmlformats.org/markup-compatibility/2006" xmlns:p14="http://schemas.microsoft.com/office/powerpoint/2010/main">
-        <mc:Choice Requires="p14">
-          <p:contentPart p14:bwMode="auto" r:id="rId11">
-            <p14:nvContentPartPr>
-              <p14:cNvPr id="13" name="Ink 12">
-                <a:extLst>
-                  <a:ext uri="{FF2B5EF4-FFF2-40B4-BE49-F238E27FC236}">
-                    <a16:creationId xmlns:a16="http://schemas.microsoft.com/office/drawing/2014/main" id="{153A72A3-8B75-4378-8B48-8F3DE98A005C}"/>
-                  </a:ext>
-                </a:extLst>
-              </p14:cNvPr>
-              <p14:cNvContentPartPr/>
-              <p14:nvPr/>
-            </p14:nvContentPartPr>
-            <p14:xfrm>
-              <a:off x="2561412" y="1673942"/>
-              <a:ext cx="1770120" cy="55800"/>
-            </p14:xfrm>
-          </p:contentPart>
-        </mc:Choice>
-        <mc:Fallback xmlns="">
-          <p:pic>
-            <p:nvPicPr>
-              <p:cNvPr id="13" name="Ink 12">
-                <a:extLst>
-                  <a:ext uri="{FF2B5EF4-FFF2-40B4-BE49-F238E27FC236}">
-                    <a16:creationId xmlns:a16="http://schemas.microsoft.com/office/drawing/2014/main" id="{153A72A3-8B75-4378-8B48-8F3DE98A005C}"/>
-                  </a:ext>
-                </a:extLst>
-              </p:cNvPr>
-              <p:cNvPicPr/>
-              <p:nvPr/>
-            </p:nvPicPr>
-            <p:blipFill>
-              <a:blip r:embed="rId12"/>
-              <a:stretch>
-                <a:fillRect/>
-              </a:stretch>
-            </p:blipFill>
-            <p:spPr>
-              <a:xfrm>
-                <a:off x="2498772" y="1611302"/>
-                <a:ext cx="1895760" cy="181440"/>
-              </a:xfrm>
-              <a:prstGeom prst="rect">
-                <a:avLst/>
-              </a:prstGeom>
-            </p:spPr>
-          </p:pic>
-        </mc:Fallback>
-      </mc:AlternateContent>
-      <mc:AlternateContent xmlns:mc="http://schemas.openxmlformats.org/markup-compatibility/2006" xmlns:p14="http://schemas.microsoft.com/office/powerpoint/2010/main">
-        <mc:Choice Requires="p14">
-          <p:contentPart p14:bwMode="auto" r:id="rId13">
-            <p14:nvContentPartPr>
-              <p14:cNvPr id="2" name="Ink 1">
-                <a:extLst>
-                  <a:ext uri="{FF2B5EF4-FFF2-40B4-BE49-F238E27FC236}">
-                    <a16:creationId xmlns:a16="http://schemas.microsoft.com/office/drawing/2014/main" id="{6725AB01-882B-45F0-BE97-382BBB3B9754}"/>
-                  </a:ext>
-                </a:extLst>
-              </p14:cNvPr>
-              <p14:cNvContentPartPr/>
-              <p14:nvPr/>
-            </p14:nvContentPartPr>
-            <p14:xfrm>
-              <a:off x="8889492" y="3125822"/>
-              <a:ext cx="1312560" cy="137160"/>
-            </p14:xfrm>
-          </p:contentPart>
-        </mc:Choice>
-        <mc:Fallback xmlns="">
-          <p:pic>
-            <p:nvPicPr>
-              <p:cNvPr id="2" name="Ink 1">
-                <a:extLst>
-                  <a:ext uri="{FF2B5EF4-FFF2-40B4-BE49-F238E27FC236}">
-                    <a16:creationId xmlns:a16="http://schemas.microsoft.com/office/drawing/2014/main" id="{6725AB01-882B-45F0-BE97-382BBB3B9754}"/>
-                  </a:ext>
-                </a:extLst>
-              </p:cNvPr>
-              <p:cNvPicPr/>
-              <p:nvPr/>
-            </p:nvPicPr>
-            <p:blipFill>
-              <a:blip r:embed="rId14"/>
-              <a:stretch>
-                <a:fillRect/>
-              </a:stretch>
-            </p:blipFill>
-            <p:spPr>
-              <a:xfrm>
-                <a:off x="8835852" y="3017822"/>
-                <a:ext cx="1420200" cy="352800"/>
-              </a:xfrm>
-              <a:prstGeom prst="rect">
-                <a:avLst/>
-              </a:prstGeom>
-            </p:spPr>
-          </p:pic>
-        </mc:Fallback>
-      </mc:AlternateContent>
-      <mc:AlternateContent xmlns:mc="http://schemas.openxmlformats.org/markup-compatibility/2006" xmlns:p14="http://schemas.microsoft.com/office/powerpoint/2010/main">
-        <mc:Choice Requires="p14">
-          <p:contentPart p14:bwMode="auto" r:id="rId15">
-            <p14:nvContentPartPr>
-              <p14:cNvPr id="3" name="Ink 2">
-                <a:extLst>
-                  <a:ext uri="{FF2B5EF4-FFF2-40B4-BE49-F238E27FC236}">
-                    <a16:creationId xmlns:a16="http://schemas.microsoft.com/office/drawing/2014/main" id="{233462FC-ECA1-40D0-A170-B0C63F7D357E}"/>
-                  </a:ext>
-                </a:extLst>
-              </p14:cNvPr>
-              <p14:cNvContentPartPr/>
-              <p14:nvPr/>
-            </p14:nvContentPartPr>
-            <p14:xfrm>
-              <a:off x="1060932" y="3661862"/>
-              <a:ext cx="3915720" cy="147960"/>
-            </p14:xfrm>
-          </p:contentPart>
-        </mc:Choice>
-        <mc:Fallback xmlns="">
-          <p:pic>
-            <p:nvPicPr>
-              <p:cNvPr id="3" name="Ink 2">
-                <a:extLst>
-                  <a:ext uri="{FF2B5EF4-FFF2-40B4-BE49-F238E27FC236}">
-                    <a16:creationId xmlns:a16="http://schemas.microsoft.com/office/drawing/2014/main" id="{233462FC-ECA1-40D0-A170-B0C63F7D357E}"/>
-                  </a:ext>
-                </a:extLst>
-              </p:cNvPr>
-              <p:cNvPicPr/>
-              <p:nvPr/>
-            </p:nvPicPr>
-            <p:blipFill>
-              <a:blip r:embed="rId16"/>
-              <a:stretch>
-                <a:fillRect/>
-              </a:stretch>
-            </p:blipFill>
-            <p:spPr>
-              <a:xfrm>
-                <a:off x="1007292" y="3554222"/>
-                <a:ext cx="4023360" cy="363600"/>
-              </a:xfrm>
-              <a:prstGeom prst="rect">
-                <a:avLst/>
-              </a:prstGeom>
-            </p:spPr>
-          </p:pic>
-        </mc:Fallback>
-      </mc:AlternateContent>
     </p:spTree>
     <p:extLst>
       <p:ext uri="{BB962C8B-B14F-4D97-AF65-F5344CB8AC3E}">
-        <p14:creationId xmlns:p14="http://schemas.microsoft.com/office/powerpoint/2010/main" val="2696567895"/>
+        <p14:creationId xmlns:p14="http://schemas.microsoft.com/office/powerpoint/2010/main" val="2025188986"/>
       </p:ext>
     </p:extLst>
   </p:cSld>
   <p:clrMapOvr>
     <a:masterClrMapping/>
   </p:clrMapOvr>
+  <mc:AlternateContent xmlns:mc="http://schemas.openxmlformats.org/markup-compatibility/2006" xmlns:p14="http://schemas.microsoft.com/office/powerpoint/2010/main">
+    <mc:Choice Requires="p14">
+      <p:transition spd="slow" p14:dur="2000" advClick="0" advTm="15000"/>
+    </mc:Choice>
+    <mc:Fallback xmlns="">
+      <p:transition spd="slow" advClick="0" advTm="15000"/>
+    </mc:Fallback>
+  </mc:AlternateContent>
+</p:sld>
+</file>
+
+<file path=ppt/slides/slide15.xml><?xml version="1.0" encoding="utf-8"?>
+<p:sld xmlns:a="http://schemas.openxmlformats.org/drawingml/2006/main" xmlns:r="http://schemas.openxmlformats.org/officeDocument/2006/relationships" xmlns:p="http://schemas.openxmlformats.org/presentationml/2006/main">
+  <p:cSld>
+    <p:spTree>
+      <p:nvGrpSpPr>
+        <p:cNvPr id="1" name=""/>
+        <p:cNvGrpSpPr/>
+        <p:nvPr/>
+      </p:nvGrpSpPr>
+      <p:grpSpPr>
+        <a:xfrm>
+          <a:off x="0" y="0"/>
+          <a:ext cx="0" cy="0"/>
+          <a:chOff x="0" y="0"/>
+          <a:chExt cx="0" cy="0"/>
+        </a:xfrm>
+      </p:grpSpPr>
+      <p:pic>
+        <p:nvPicPr>
+          <p:cNvPr id="2" name="Picture 1">
+            <a:extLst>
+              <a:ext uri="{FF2B5EF4-FFF2-40B4-BE49-F238E27FC236}">
+                <a16:creationId xmlns:a16="http://schemas.microsoft.com/office/drawing/2014/main" id="{AEDB2EE5-4C3F-42B1-B42A-3DB4B525A423}"/>
+              </a:ext>
+            </a:extLst>
+          </p:cNvPr>
+          <p:cNvPicPr>
+            <a:picLocks noChangeAspect="1"/>
+          </p:cNvPicPr>
+          <p:nvPr/>
+        </p:nvPicPr>
+        <p:blipFill>
+          <a:blip r:embed="rId2"/>
+          <a:stretch>
+            <a:fillRect/>
+          </a:stretch>
+        </p:blipFill>
+        <p:spPr>
+          <a:xfrm>
+            <a:off x="0" y="-1"/>
+            <a:ext cx="12192000" cy="7366854"/>
+          </a:xfrm>
+          <a:prstGeom prst="rect">
+            <a:avLst/>
+          </a:prstGeom>
+        </p:spPr>
+      </p:pic>
+      <p:sp>
+        <p:nvSpPr>
+          <p:cNvPr id="3" name="TextBox 2">
+            <a:extLst>
+              <a:ext uri="{FF2B5EF4-FFF2-40B4-BE49-F238E27FC236}">
+                <a16:creationId xmlns:a16="http://schemas.microsoft.com/office/drawing/2014/main" id="{E5984BB5-181C-4329-868F-0B1824CF826D}"/>
+              </a:ext>
+            </a:extLst>
+          </p:cNvPr>
+          <p:cNvSpPr txBox="1"/>
+          <p:nvPr/>
+        </p:nvSpPr>
+        <p:spPr>
+          <a:xfrm>
+            <a:off x="8374251" y="3083261"/>
+            <a:ext cx="3817749" cy="1200329"/>
+          </a:xfrm>
+          <a:prstGeom prst="rect">
+            <a:avLst/>
+          </a:prstGeom>
+          <a:noFill/>
+        </p:spPr>
+        <p:txBody>
+          <a:bodyPr wrap="square" rtlCol="0">
+            <a:spAutoFit/>
+          </a:bodyPr>
+          <a:lstStyle/>
+          <a:p>
+            <a:r>
+              <a:rPr lang="en-GB" sz="7200" b="1" dirty="0">
+                <a:solidFill>
+                  <a:srgbClr val="C00000"/>
+                </a:solidFill>
+              </a:rPr>
+              <a:t>17 Errors</a:t>
+            </a:r>
+            <a:endParaRPr lang="en-AU" sz="7200" b="1" dirty="0">
+              <a:solidFill>
+                <a:srgbClr val="C00000"/>
+              </a:solidFill>
+            </a:endParaRPr>
+          </a:p>
+        </p:txBody>
+      </p:sp>
+    </p:spTree>
+    <p:extLst>
+      <p:ext uri="{BB962C8B-B14F-4D97-AF65-F5344CB8AC3E}">
+        <p14:creationId xmlns:p14="http://schemas.microsoft.com/office/powerpoint/2010/main" val="3108570237"/>
+      </p:ext>
+    </p:extLst>
+  </p:cSld>
+  <p:clrMapOvr>
+    <a:masterClrMapping/>
+  </p:clrMapOvr>
+  <mc:AlternateContent xmlns:mc="http://schemas.openxmlformats.org/markup-compatibility/2006" xmlns:p14="http://schemas.microsoft.com/office/powerpoint/2010/main">
+    <mc:Choice Requires="p14">
+      <p:transition spd="slow" p14:dur="2000" advClick="0" advTm="15000"/>
+    </mc:Choice>
+    <mc:Fallback xmlns="">
+      <p:transition spd="slow" advClick="0" advTm="15000"/>
+    </mc:Fallback>
+  </mc:AlternateContent>
+</p:sld>
+</file>
+
+<file path=ppt/slides/slide16.xml><?xml version="1.0" encoding="utf-8"?>
+<p:sld xmlns:a="http://schemas.openxmlformats.org/drawingml/2006/main" xmlns:r="http://schemas.openxmlformats.org/officeDocument/2006/relationships" xmlns:p="http://schemas.openxmlformats.org/presentationml/2006/main">
+  <p:cSld>
+    <p:spTree>
+      <p:nvGrpSpPr>
+        <p:cNvPr id="1" name=""/>
+        <p:cNvGrpSpPr/>
+        <p:nvPr/>
+      </p:nvGrpSpPr>
+      <p:grpSpPr>
+        <a:xfrm>
+          <a:off x="0" y="0"/>
+          <a:ext cx="0" cy="0"/>
+          <a:chOff x="0" y="0"/>
+          <a:chExt cx="0" cy="0"/>
+        </a:xfrm>
+      </p:grpSpPr>
+      <p:pic>
+        <p:nvPicPr>
+          <p:cNvPr id="2" name="Picture 1">
+            <a:extLst>
+              <a:ext uri="{FF2B5EF4-FFF2-40B4-BE49-F238E27FC236}">
+                <a16:creationId xmlns:a16="http://schemas.microsoft.com/office/drawing/2014/main" id="{B71A7DA3-FAF4-41B5-892C-FF05E7041B9A}"/>
+              </a:ext>
+            </a:extLst>
+          </p:cNvPr>
+          <p:cNvPicPr>
+            <a:picLocks noChangeAspect="1"/>
+          </p:cNvPicPr>
+          <p:nvPr/>
+        </p:nvPicPr>
+        <p:blipFill>
+          <a:blip r:embed="rId2"/>
+          <a:stretch>
+            <a:fillRect/>
+          </a:stretch>
+        </p:blipFill>
+        <p:spPr>
+          <a:xfrm>
+            <a:off x="0" y="0"/>
+            <a:ext cx="12192000" cy="7303008"/>
+          </a:xfrm>
+          <a:prstGeom prst="rect">
+            <a:avLst/>
+          </a:prstGeom>
+        </p:spPr>
+      </p:pic>
+    </p:spTree>
+    <p:extLst>
+      <p:ext uri="{BB962C8B-B14F-4D97-AF65-F5344CB8AC3E}">
+        <p14:creationId xmlns:p14="http://schemas.microsoft.com/office/powerpoint/2010/main" val="2576811106"/>
+      </p:ext>
+    </p:extLst>
+  </p:cSld>
+  <p:clrMapOvr>
+    <a:masterClrMapping/>
+  </p:clrMapOvr>
+  <mc:AlternateContent xmlns:mc="http://schemas.openxmlformats.org/markup-compatibility/2006" xmlns:p14="http://schemas.microsoft.com/office/powerpoint/2010/main">
+    <mc:Choice Requires="p14">
+      <p:transition spd="slow" p14:dur="2000" advClick="0" advTm="15000"/>
+    </mc:Choice>
+    <mc:Fallback xmlns="">
+      <p:transition spd="slow" advClick="0" advTm="15000"/>
+    </mc:Fallback>
+  </mc:AlternateContent>
+</p:sld>
+</file>
+
+<file path=ppt/slides/slide17.xml><?xml version="1.0" encoding="utf-8"?>
+<p:sld xmlns:a="http://schemas.openxmlformats.org/drawingml/2006/main" xmlns:r="http://schemas.openxmlformats.org/officeDocument/2006/relationships" xmlns:p="http://schemas.openxmlformats.org/presentationml/2006/main">
+  <p:cSld>
+    <p:spTree>
+      <p:nvGrpSpPr>
+        <p:cNvPr id="1" name=""/>
+        <p:cNvGrpSpPr/>
+        <p:nvPr/>
+      </p:nvGrpSpPr>
+      <p:grpSpPr>
+        <a:xfrm>
+          <a:off x="0" y="0"/>
+          <a:ext cx="0" cy="0"/>
+          <a:chOff x="0" y="0"/>
+          <a:chExt cx="0" cy="0"/>
+        </a:xfrm>
+      </p:grpSpPr>
+      <p:pic>
+        <p:nvPicPr>
+          <p:cNvPr id="5" name="Picture 4">
+            <a:extLst>
+              <a:ext uri="{FF2B5EF4-FFF2-40B4-BE49-F238E27FC236}">
+                <a16:creationId xmlns:a16="http://schemas.microsoft.com/office/drawing/2014/main" id="{93F7BDAD-E1B8-4B27-B87C-40F86333FBF6}"/>
+              </a:ext>
+            </a:extLst>
+          </p:cNvPr>
+          <p:cNvPicPr>
+            <a:picLocks noChangeAspect="1"/>
+          </p:cNvPicPr>
+          <p:nvPr/>
+        </p:nvPicPr>
+        <p:blipFill>
+          <a:blip r:embed="rId2"/>
+          <a:stretch>
+            <a:fillRect/>
+          </a:stretch>
+        </p:blipFill>
+        <p:spPr>
+          <a:xfrm>
+            <a:off x="0" y="-1"/>
+            <a:ext cx="12192000" cy="7366854"/>
+          </a:xfrm>
+          <a:prstGeom prst="rect">
+            <a:avLst/>
+          </a:prstGeom>
+        </p:spPr>
+      </p:pic>
+      <p:sp>
+        <p:nvSpPr>
+          <p:cNvPr id="3" name="TextBox 2">
+            <a:extLst>
+              <a:ext uri="{FF2B5EF4-FFF2-40B4-BE49-F238E27FC236}">
+                <a16:creationId xmlns:a16="http://schemas.microsoft.com/office/drawing/2014/main" id="{E5984BB5-181C-4329-868F-0B1824CF826D}"/>
+              </a:ext>
+            </a:extLst>
+          </p:cNvPr>
+          <p:cNvSpPr txBox="1"/>
+          <p:nvPr/>
+        </p:nvSpPr>
+        <p:spPr>
+          <a:xfrm>
+            <a:off x="8374251" y="3083261"/>
+            <a:ext cx="3817749" cy="1200329"/>
+          </a:xfrm>
+          <a:prstGeom prst="rect">
+            <a:avLst/>
+          </a:prstGeom>
+          <a:noFill/>
+        </p:spPr>
+        <p:txBody>
+          <a:bodyPr wrap="square" rtlCol="0">
+            <a:spAutoFit/>
+          </a:bodyPr>
+          <a:lstStyle/>
+          <a:p>
+            <a:r>
+              <a:rPr lang="en-GB" sz="7200" b="1" dirty="0">
+                <a:solidFill>
+                  <a:srgbClr val="C00000"/>
+                </a:solidFill>
+              </a:rPr>
+              <a:t>25 Errors</a:t>
+            </a:r>
+            <a:endParaRPr lang="en-AU" sz="7200" b="1" dirty="0">
+              <a:solidFill>
+                <a:srgbClr val="C00000"/>
+              </a:solidFill>
+            </a:endParaRPr>
+          </a:p>
+        </p:txBody>
+      </p:sp>
+    </p:spTree>
+    <p:extLst>
+      <p:ext uri="{BB962C8B-B14F-4D97-AF65-F5344CB8AC3E}">
+        <p14:creationId xmlns:p14="http://schemas.microsoft.com/office/powerpoint/2010/main" val="3142106008"/>
+      </p:ext>
+    </p:extLst>
+  </p:cSld>
+  <p:clrMapOvr>
+    <a:masterClrMapping/>
+  </p:clrMapOvr>
+  <mc:AlternateContent xmlns:mc="http://schemas.openxmlformats.org/markup-compatibility/2006" xmlns:p14="http://schemas.microsoft.com/office/powerpoint/2010/main">
+    <mc:Choice Requires="p14">
+      <p:transition spd="slow" p14:dur="2000" advClick="0" advTm="15000"/>
+    </mc:Choice>
+    <mc:Fallback xmlns="">
+      <p:transition spd="slow" advClick="0" advTm="15000"/>
+    </mc:Fallback>
+  </mc:AlternateContent>
+</p:sld>
+</file>
+
+<file path=ppt/slides/slide18.xml><?xml version="1.0" encoding="utf-8"?>
+<p:sld xmlns:a="http://schemas.openxmlformats.org/drawingml/2006/main" xmlns:r="http://schemas.openxmlformats.org/officeDocument/2006/relationships" xmlns:p="http://schemas.openxmlformats.org/presentationml/2006/main">
+  <p:cSld>
+    <p:spTree>
+      <p:nvGrpSpPr>
+        <p:cNvPr id="1" name=""/>
+        <p:cNvGrpSpPr/>
+        <p:nvPr/>
+      </p:nvGrpSpPr>
+      <p:grpSpPr>
+        <a:xfrm>
+          <a:off x="0" y="0"/>
+          <a:ext cx="0" cy="0"/>
+          <a:chOff x="0" y="0"/>
+          <a:chExt cx="0" cy="0"/>
+        </a:xfrm>
+      </p:grpSpPr>
+      <p:pic>
+        <p:nvPicPr>
+          <p:cNvPr id="2" name="Picture 1">
+            <a:extLst>
+              <a:ext uri="{FF2B5EF4-FFF2-40B4-BE49-F238E27FC236}">
+                <a16:creationId xmlns:a16="http://schemas.microsoft.com/office/drawing/2014/main" id="{3E1EB247-00A1-48F0-85D9-041681B3B5B4}"/>
+              </a:ext>
+            </a:extLst>
+          </p:cNvPr>
+          <p:cNvPicPr>
+            <a:picLocks noChangeAspect="1"/>
+          </p:cNvPicPr>
+          <p:nvPr/>
+        </p:nvPicPr>
+        <p:blipFill>
+          <a:blip r:embed="rId2"/>
+          <a:stretch>
+            <a:fillRect/>
+          </a:stretch>
+        </p:blipFill>
+        <p:spPr>
+          <a:xfrm>
+            <a:off x="0" y="0"/>
+            <a:ext cx="12192000" cy="7366854"/>
+          </a:xfrm>
+          <a:prstGeom prst="rect">
+            <a:avLst/>
+          </a:prstGeom>
+        </p:spPr>
+      </p:pic>
+    </p:spTree>
+    <p:extLst>
+      <p:ext uri="{BB962C8B-B14F-4D97-AF65-F5344CB8AC3E}">
+        <p14:creationId xmlns:p14="http://schemas.microsoft.com/office/powerpoint/2010/main" val="1997108462"/>
+      </p:ext>
+    </p:extLst>
+  </p:cSld>
+  <p:clrMapOvr>
+    <a:masterClrMapping/>
+  </p:clrMapOvr>
+  <mc:AlternateContent xmlns:mc="http://schemas.openxmlformats.org/markup-compatibility/2006" xmlns:p14="http://schemas.microsoft.com/office/powerpoint/2010/main">
+    <mc:Choice Requires="p14">
+      <p:transition spd="slow" p14:dur="2000" advClick="0" advTm="15000"/>
+    </mc:Choice>
+    <mc:Fallback xmlns="">
+      <p:transition spd="slow" advClick="0" advTm="15000"/>
+    </mc:Fallback>
+  </mc:AlternateContent>
+</p:sld>
+</file>
+
+<file path=ppt/slides/slide19.xml><?xml version="1.0" encoding="utf-8"?>
+<p:sld xmlns:a="http://schemas.openxmlformats.org/drawingml/2006/main" xmlns:r="http://schemas.openxmlformats.org/officeDocument/2006/relationships" xmlns:p="http://schemas.openxmlformats.org/presentationml/2006/main">
+  <p:cSld>
+    <p:spTree>
+      <p:nvGrpSpPr>
+        <p:cNvPr id="1" name=""/>
+        <p:cNvGrpSpPr/>
+        <p:nvPr/>
+      </p:nvGrpSpPr>
+      <p:grpSpPr>
+        <a:xfrm>
+          <a:off x="0" y="0"/>
+          <a:ext cx="0" cy="0"/>
+          <a:chOff x="0" y="0"/>
+          <a:chExt cx="0" cy="0"/>
+        </a:xfrm>
+      </p:grpSpPr>
+      <p:pic>
+        <p:nvPicPr>
+          <p:cNvPr id="2" name="Picture 1">
+            <a:extLst>
+              <a:ext uri="{FF2B5EF4-FFF2-40B4-BE49-F238E27FC236}">
+                <a16:creationId xmlns:a16="http://schemas.microsoft.com/office/drawing/2014/main" id="{F084E886-4913-4D01-ACA3-143A497FA9D3}"/>
+              </a:ext>
+            </a:extLst>
+          </p:cNvPr>
+          <p:cNvPicPr>
+            <a:picLocks noChangeAspect="1"/>
+          </p:cNvPicPr>
+          <p:nvPr/>
+        </p:nvPicPr>
+        <p:blipFill>
+          <a:blip r:embed="rId2"/>
+          <a:stretch>
+            <a:fillRect/>
+          </a:stretch>
+        </p:blipFill>
+        <p:spPr>
+          <a:xfrm>
+            <a:off x="0" y="-1"/>
+            <a:ext cx="12192000" cy="7366854"/>
+          </a:xfrm>
+          <a:prstGeom prst="rect">
+            <a:avLst/>
+          </a:prstGeom>
+        </p:spPr>
+      </p:pic>
+      <p:sp>
+        <p:nvSpPr>
+          <p:cNvPr id="3" name="TextBox 2">
+            <a:extLst>
+              <a:ext uri="{FF2B5EF4-FFF2-40B4-BE49-F238E27FC236}">
+                <a16:creationId xmlns:a16="http://schemas.microsoft.com/office/drawing/2014/main" id="{E5984BB5-181C-4329-868F-0B1824CF826D}"/>
+              </a:ext>
+            </a:extLst>
+          </p:cNvPr>
+          <p:cNvSpPr txBox="1"/>
+          <p:nvPr/>
+        </p:nvSpPr>
+        <p:spPr>
+          <a:xfrm>
+            <a:off x="8374251" y="3083261"/>
+            <a:ext cx="3817749" cy="1200329"/>
+          </a:xfrm>
+          <a:prstGeom prst="rect">
+            <a:avLst/>
+          </a:prstGeom>
+          <a:noFill/>
+        </p:spPr>
+        <p:txBody>
+          <a:bodyPr wrap="square" rtlCol="0">
+            <a:spAutoFit/>
+          </a:bodyPr>
+          <a:lstStyle/>
+          <a:p>
+            <a:r>
+              <a:rPr lang="en-GB" sz="7200" b="1" dirty="0">
+                <a:solidFill>
+                  <a:srgbClr val="C00000"/>
+                </a:solidFill>
+              </a:rPr>
+              <a:t>6 Errors</a:t>
+            </a:r>
+            <a:endParaRPr lang="en-AU" sz="7200" b="1" dirty="0">
+              <a:solidFill>
+                <a:srgbClr val="C00000"/>
+              </a:solidFill>
+            </a:endParaRPr>
+          </a:p>
+        </p:txBody>
+      </p:sp>
+    </p:spTree>
+    <p:extLst>
+      <p:ext uri="{BB962C8B-B14F-4D97-AF65-F5344CB8AC3E}">
+        <p14:creationId xmlns:p14="http://schemas.microsoft.com/office/powerpoint/2010/main" val="3489393991"/>
+      </p:ext>
+    </p:extLst>
+  </p:cSld>
+  <p:clrMapOvr>
+    <a:masterClrMapping/>
+  </p:clrMapOvr>
+  <mc:AlternateContent xmlns:mc="http://schemas.openxmlformats.org/markup-compatibility/2006" xmlns:p14="http://schemas.microsoft.com/office/powerpoint/2010/main">
+    <mc:Choice Requires="p14">
+      <p:transition spd="slow" p14:dur="2000" advClick="0" advTm="15000"/>
+    </mc:Choice>
+    <mc:Fallback xmlns="">
+      <p:transition spd="slow" advClick="0" advTm="15000"/>
+    </mc:Fallback>
+  </mc:AlternateContent>
 </p:sld>
 </file>
 
@@ -5210,6 +5992,439 @@
   <p:clrMapOvr>
     <a:masterClrMapping/>
   </p:clrMapOvr>
+  <mc:AlternateContent xmlns:mc="http://schemas.openxmlformats.org/markup-compatibility/2006" xmlns:p14="http://schemas.microsoft.com/office/powerpoint/2010/main">
+    <mc:Choice Requires="p14">
+      <p:transition spd="slow" p14:dur="2000" advClick="0" advTm="15000"/>
+    </mc:Choice>
+    <mc:Fallback xmlns="">
+      <p:transition spd="slow" advClick="0" advTm="15000"/>
+    </mc:Fallback>
+  </mc:AlternateContent>
+</p:sld>
+</file>
+
+<file path=ppt/slides/slide20.xml><?xml version="1.0" encoding="utf-8"?>
+<p:sld xmlns:a="http://schemas.openxmlformats.org/drawingml/2006/main" xmlns:r="http://schemas.openxmlformats.org/officeDocument/2006/relationships" xmlns:p="http://schemas.openxmlformats.org/presentationml/2006/main">
+  <p:cSld>
+    <p:spTree>
+      <p:nvGrpSpPr>
+        <p:cNvPr id="1" name=""/>
+        <p:cNvGrpSpPr/>
+        <p:nvPr/>
+      </p:nvGrpSpPr>
+      <p:grpSpPr>
+        <a:xfrm>
+          <a:off x="0" y="0"/>
+          <a:ext cx="0" cy="0"/>
+          <a:chOff x="0" y="0"/>
+          <a:chExt cx="0" cy="0"/>
+        </a:xfrm>
+      </p:grpSpPr>
+      <p:pic>
+        <p:nvPicPr>
+          <p:cNvPr id="4" name="Picture 3">
+            <a:extLst>
+              <a:ext uri="{FF2B5EF4-FFF2-40B4-BE49-F238E27FC236}">
+                <a16:creationId xmlns:a16="http://schemas.microsoft.com/office/drawing/2014/main" id="{5869A01D-4FB1-46D2-B05E-C48A6E5055C7}"/>
+              </a:ext>
+            </a:extLst>
+          </p:cNvPr>
+          <p:cNvPicPr>
+            <a:picLocks noChangeAspect="1"/>
+          </p:cNvPicPr>
+          <p:nvPr/>
+        </p:nvPicPr>
+        <p:blipFill>
+          <a:blip r:embed="rId2"/>
+          <a:stretch>
+            <a:fillRect/>
+          </a:stretch>
+        </p:blipFill>
+        <p:spPr>
+          <a:xfrm>
+            <a:off x="729472" y="-3551"/>
+            <a:ext cx="10733056" cy="6861551"/>
+          </a:xfrm>
+          <a:prstGeom prst="rect">
+            <a:avLst/>
+          </a:prstGeom>
+        </p:spPr>
+      </p:pic>
+      <mc:AlternateContent xmlns:mc="http://schemas.openxmlformats.org/markup-compatibility/2006" xmlns:p14="http://schemas.microsoft.com/office/powerpoint/2010/main">
+        <mc:Choice Requires="p14">
+          <p:contentPart p14:bwMode="auto" r:id="rId3">
+            <p14:nvContentPartPr>
+              <p14:cNvPr id="5" name="Ink 4">
+                <a:extLst>
+                  <a:ext uri="{FF2B5EF4-FFF2-40B4-BE49-F238E27FC236}">
+                    <a16:creationId xmlns:a16="http://schemas.microsoft.com/office/drawing/2014/main" id="{516A3C7D-1BA1-4C1E-84B6-8E12FC0CED1B}"/>
+                  </a:ext>
+                </a:extLst>
+              </p14:cNvPr>
+              <p14:cNvContentPartPr/>
+              <p14:nvPr/>
+            </p14:nvContentPartPr>
+            <p14:xfrm>
+              <a:off x="1309692" y="501062"/>
+              <a:ext cx="568080" cy="493200"/>
+            </p14:xfrm>
+          </p:contentPart>
+        </mc:Choice>
+        <mc:Fallback xmlns="">
+          <p:pic>
+            <p:nvPicPr>
+              <p:cNvPr id="5" name="Ink 4">
+                <a:extLst>
+                  <a:ext uri="{FF2B5EF4-FFF2-40B4-BE49-F238E27FC236}">
+                    <a16:creationId xmlns:a16="http://schemas.microsoft.com/office/drawing/2014/main" id="{516A3C7D-1BA1-4C1E-84B6-8E12FC0CED1B}"/>
+                  </a:ext>
+                </a:extLst>
+              </p:cNvPr>
+              <p:cNvPicPr/>
+              <p:nvPr/>
+            </p:nvPicPr>
+            <p:blipFill>
+              <a:blip r:embed="rId4"/>
+              <a:stretch>
+                <a:fillRect/>
+              </a:stretch>
+            </p:blipFill>
+            <p:spPr>
+              <a:xfrm>
+                <a:off x="1301052" y="492062"/>
+                <a:ext cx="585720" cy="510840"/>
+              </a:xfrm>
+              <a:prstGeom prst="rect">
+                <a:avLst/>
+              </a:prstGeom>
+            </p:spPr>
+          </p:pic>
+        </mc:Fallback>
+      </mc:AlternateContent>
+      <mc:AlternateContent xmlns:mc="http://schemas.openxmlformats.org/markup-compatibility/2006" xmlns:p14="http://schemas.microsoft.com/office/powerpoint/2010/main">
+        <mc:Choice Requires="p14">
+          <p:contentPart p14:bwMode="auto" r:id="rId5">
+            <p14:nvContentPartPr>
+              <p14:cNvPr id="6" name="Ink 5">
+                <a:extLst>
+                  <a:ext uri="{FF2B5EF4-FFF2-40B4-BE49-F238E27FC236}">
+                    <a16:creationId xmlns:a16="http://schemas.microsoft.com/office/drawing/2014/main" id="{F717CCFB-94B2-459A-897B-7AF72261F74D}"/>
+                  </a:ext>
+                </a:extLst>
+              </p14:cNvPr>
+              <p14:cNvContentPartPr/>
+              <p14:nvPr/>
+            </p14:nvContentPartPr>
+            <p14:xfrm>
+              <a:off x="1162452" y="491702"/>
+              <a:ext cx="747360" cy="714600"/>
+            </p14:xfrm>
+          </p:contentPart>
+        </mc:Choice>
+        <mc:Fallback xmlns="">
+          <p:pic>
+            <p:nvPicPr>
+              <p:cNvPr id="6" name="Ink 5">
+                <a:extLst>
+                  <a:ext uri="{FF2B5EF4-FFF2-40B4-BE49-F238E27FC236}">
+                    <a16:creationId xmlns:a16="http://schemas.microsoft.com/office/drawing/2014/main" id="{F717CCFB-94B2-459A-897B-7AF72261F74D}"/>
+                  </a:ext>
+                </a:extLst>
+              </p:cNvPr>
+              <p:cNvPicPr/>
+              <p:nvPr/>
+            </p:nvPicPr>
+            <p:blipFill>
+              <a:blip r:embed="rId6"/>
+              <a:stretch>
+                <a:fillRect/>
+              </a:stretch>
+            </p:blipFill>
+            <p:spPr>
+              <a:xfrm>
+                <a:off x="1099452" y="428702"/>
+                <a:ext cx="873000" cy="840240"/>
+              </a:xfrm>
+              <a:prstGeom prst="rect">
+                <a:avLst/>
+              </a:prstGeom>
+            </p:spPr>
+          </p:pic>
+        </mc:Fallback>
+      </mc:AlternateContent>
+      <mc:AlternateContent xmlns:mc="http://schemas.openxmlformats.org/markup-compatibility/2006" xmlns:p14="http://schemas.microsoft.com/office/powerpoint/2010/main">
+        <mc:Choice Requires="p14">
+          <p:contentPart p14:bwMode="auto" r:id="rId7">
+            <p14:nvContentPartPr>
+              <p14:cNvPr id="11" name="Ink 10">
+                <a:extLst>
+                  <a:ext uri="{FF2B5EF4-FFF2-40B4-BE49-F238E27FC236}">
+                    <a16:creationId xmlns:a16="http://schemas.microsoft.com/office/drawing/2014/main" id="{76BDA12D-42E8-45D0-8718-681EA5DA8AA6}"/>
+                  </a:ext>
+                </a:extLst>
+              </p14:cNvPr>
+              <p14:cNvContentPartPr/>
+              <p14:nvPr/>
+            </p14:nvContentPartPr>
+            <p14:xfrm>
+              <a:off x="2122932" y="987782"/>
+              <a:ext cx="1537560" cy="139680"/>
+            </p14:xfrm>
+          </p:contentPart>
+        </mc:Choice>
+        <mc:Fallback xmlns="">
+          <p:pic>
+            <p:nvPicPr>
+              <p:cNvPr id="11" name="Ink 10">
+                <a:extLst>
+                  <a:ext uri="{FF2B5EF4-FFF2-40B4-BE49-F238E27FC236}">
+                    <a16:creationId xmlns:a16="http://schemas.microsoft.com/office/drawing/2014/main" id="{76BDA12D-42E8-45D0-8718-681EA5DA8AA6}"/>
+                  </a:ext>
+                </a:extLst>
+              </p:cNvPr>
+              <p:cNvPicPr/>
+              <p:nvPr/>
+            </p:nvPicPr>
+            <p:blipFill>
+              <a:blip r:embed="rId8"/>
+              <a:stretch>
+                <a:fillRect/>
+              </a:stretch>
+            </p:blipFill>
+            <p:spPr>
+              <a:xfrm>
+                <a:off x="2060292" y="925142"/>
+                <a:ext cx="1663200" cy="265320"/>
+              </a:xfrm>
+              <a:prstGeom prst="rect">
+                <a:avLst/>
+              </a:prstGeom>
+            </p:spPr>
+          </p:pic>
+        </mc:Fallback>
+      </mc:AlternateContent>
+      <mc:AlternateContent xmlns:mc="http://schemas.openxmlformats.org/markup-compatibility/2006" xmlns:p14="http://schemas.microsoft.com/office/powerpoint/2010/main">
+        <mc:Choice Requires="p14">
+          <p:contentPart p14:bwMode="auto" r:id="rId9">
+            <p14:nvContentPartPr>
+              <p14:cNvPr id="12" name="Ink 11">
+                <a:extLst>
+                  <a:ext uri="{FF2B5EF4-FFF2-40B4-BE49-F238E27FC236}">
+                    <a16:creationId xmlns:a16="http://schemas.microsoft.com/office/drawing/2014/main" id="{A84010E0-4EAA-47EF-8E76-F77856729DF4}"/>
+                  </a:ext>
+                </a:extLst>
+              </p14:cNvPr>
+              <p14:cNvContentPartPr/>
+              <p14:nvPr/>
+            </p14:nvContentPartPr>
+            <p14:xfrm>
+              <a:off x="2121132" y="622742"/>
+              <a:ext cx="2635920" cy="101520"/>
+            </p14:xfrm>
+          </p:contentPart>
+        </mc:Choice>
+        <mc:Fallback xmlns="">
+          <p:pic>
+            <p:nvPicPr>
+              <p:cNvPr id="12" name="Ink 11">
+                <a:extLst>
+                  <a:ext uri="{FF2B5EF4-FFF2-40B4-BE49-F238E27FC236}">
+                    <a16:creationId xmlns:a16="http://schemas.microsoft.com/office/drawing/2014/main" id="{A84010E0-4EAA-47EF-8E76-F77856729DF4}"/>
+                  </a:ext>
+                </a:extLst>
+              </p:cNvPr>
+              <p:cNvPicPr/>
+              <p:nvPr/>
+            </p:nvPicPr>
+            <p:blipFill>
+              <a:blip r:embed="rId10"/>
+              <a:stretch>
+                <a:fillRect/>
+              </a:stretch>
+            </p:blipFill>
+            <p:spPr>
+              <a:xfrm>
+                <a:off x="2058132" y="559742"/>
+                <a:ext cx="2761560" cy="227160"/>
+              </a:xfrm>
+              <a:prstGeom prst="rect">
+                <a:avLst/>
+              </a:prstGeom>
+            </p:spPr>
+          </p:pic>
+        </mc:Fallback>
+      </mc:AlternateContent>
+      <mc:AlternateContent xmlns:mc="http://schemas.openxmlformats.org/markup-compatibility/2006" xmlns:p14="http://schemas.microsoft.com/office/powerpoint/2010/main">
+        <mc:Choice Requires="p14">
+          <p:contentPart p14:bwMode="auto" r:id="rId11">
+            <p14:nvContentPartPr>
+              <p14:cNvPr id="13" name="Ink 12">
+                <a:extLst>
+                  <a:ext uri="{FF2B5EF4-FFF2-40B4-BE49-F238E27FC236}">
+                    <a16:creationId xmlns:a16="http://schemas.microsoft.com/office/drawing/2014/main" id="{153A72A3-8B75-4378-8B48-8F3DE98A005C}"/>
+                  </a:ext>
+                </a:extLst>
+              </p14:cNvPr>
+              <p14:cNvContentPartPr/>
+              <p14:nvPr/>
+            </p14:nvContentPartPr>
+            <p14:xfrm>
+              <a:off x="2561412" y="1673942"/>
+              <a:ext cx="1770120" cy="55800"/>
+            </p14:xfrm>
+          </p:contentPart>
+        </mc:Choice>
+        <mc:Fallback xmlns="">
+          <p:pic>
+            <p:nvPicPr>
+              <p:cNvPr id="13" name="Ink 12">
+                <a:extLst>
+                  <a:ext uri="{FF2B5EF4-FFF2-40B4-BE49-F238E27FC236}">
+                    <a16:creationId xmlns:a16="http://schemas.microsoft.com/office/drawing/2014/main" id="{153A72A3-8B75-4378-8B48-8F3DE98A005C}"/>
+                  </a:ext>
+                </a:extLst>
+              </p:cNvPr>
+              <p:cNvPicPr/>
+              <p:nvPr/>
+            </p:nvPicPr>
+            <p:blipFill>
+              <a:blip r:embed="rId12"/>
+              <a:stretch>
+                <a:fillRect/>
+              </a:stretch>
+            </p:blipFill>
+            <p:spPr>
+              <a:xfrm>
+                <a:off x="2498772" y="1611302"/>
+                <a:ext cx="1895760" cy="181440"/>
+              </a:xfrm>
+              <a:prstGeom prst="rect">
+                <a:avLst/>
+              </a:prstGeom>
+            </p:spPr>
+          </p:pic>
+        </mc:Fallback>
+      </mc:AlternateContent>
+      <mc:AlternateContent xmlns:mc="http://schemas.openxmlformats.org/markup-compatibility/2006" xmlns:p14="http://schemas.microsoft.com/office/powerpoint/2010/main">
+        <mc:Choice Requires="p14">
+          <p:contentPart p14:bwMode="auto" r:id="rId13">
+            <p14:nvContentPartPr>
+              <p14:cNvPr id="2" name="Ink 1">
+                <a:extLst>
+                  <a:ext uri="{FF2B5EF4-FFF2-40B4-BE49-F238E27FC236}">
+                    <a16:creationId xmlns:a16="http://schemas.microsoft.com/office/drawing/2014/main" id="{6725AB01-882B-45F0-BE97-382BBB3B9754}"/>
+                  </a:ext>
+                </a:extLst>
+              </p14:cNvPr>
+              <p14:cNvContentPartPr/>
+              <p14:nvPr/>
+            </p14:nvContentPartPr>
+            <p14:xfrm>
+              <a:off x="8889492" y="3125822"/>
+              <a:ext cx="1312560" cy="137160"/>
+            </p14:xfrm>
+          </p:contentPart>
+        </mc:Choice>
+        <mc:Fallback xmlns="">
+          <p:pic>
+            <p:nvPicPr>
+              <p:cNvPr id="2" name="Ink 1">
+                <a:extLst>
+                  <a:ext uri="{FF2B5EF4-FFF2-40B4-BE49-F238E27FC236}">
+                    <a16:creationId xmlns:a16="http://schemas.microsoft.com/office/drawing/2014/main" id="{6725AB01-882B-45F0-BE97-382BBB3B9754}"/>
+                  </a:ext>
+                </a:extLst>
+              </p:cNvPr>
+              <p:cNvPicPr/>
+              <p:nvPr/>
+            </p:nvPicPr>
+            <p:blipFill>
+              <a:blip r:embed="rId14"/>
+              <a:stretch>
+                <a:fillRect/>
+              </a:stretch>
+            </p:blipFill>
+            <p:spPr>
+              <a:xfrm>
+                <a:off x="8835852" y="3017822"/>
+                <a:ext cx="1420200" cy="352800"/>
+              </a:xfrm>
+              <a:prstGeom prst="rect">
+                <a:avLst/>
+              </a:prstGeom>
+            </p:spPr>
+          </p:pic>
+        </mc:Fallback>
+      </mc:AlternateContent>
+      <mc:AlternateContent xmlns:mc="http://schemas.openxmlformats.org/markup-compatibility/2006" xmlns:p14="http://schemas.microsoft.com/office/powerpoint/2010/main">
+        <mc:Choice Requires="p14">
+          <p:contentPart p14:bwMode="auto" r:id="rId15">
+            <p14:nvContentPartPr>
+              <p14:cNvPr id="3" name="Ink 2">
+                <a:extLst>
+                  <a:ext uri="{FF2B5EF4-FFF2-40B4-BE49-F238E27FC236}">
+                    <a16:creationId xmlns:a16="http://schemas.microsoft.com/office/drawing/2014/main" id="{233462FC-ECA1-40D0-A170-B0C63F7D357E}"/>
+                  </a:ext>
+                </a:extLst>
+              </p14:cNvPr>
+              <p14:cNvContentPartPr/>
+              <p14:nvPr/>
+            </p14:nvContentPartPr>
+            <p14:xfrm>
+              <a:off x="1060932" y="3661862"/>
+              <a:ext cx="3915720" cy="147960"/>
+            </p14:xfrm>
+          </p:contentPart>
+        </mc:Choice>
+        <mc:Fallback xmlns="">
+          <p:pic>
+            <p:nvPicPr>
+              <p:cNvPr id="3" name="Ink 2">
+                <a:extLst>
+                  <a:ext uri="{FF2B5EF4-FFF2-40B4-BE49-F238E27FC236}">
+                    <a16:creationId xmlns:a16="http://schemas.microsoft.com/office/drawing/2014/main" id="{233462FC-ECA1-40D0-A170-B0C63F7D357E}"/>
+                  </a:ext>
+                </a:extLst>
+              </p:cNvPr>
+              <p:cNvPicPr/>
+              <p:nvPr/>
+            </p:nvPicPr>
+            <p:blipFill>
+              <a:blip r:embed="rId16"/>
+              <a:stretch>
+                <a:fillRect/>
+              </a:stretch>
+            </p:blipFill>
+            <p:spPr>
+              <a:xfrm>
+                <a:off x="1007292" y="3554222"/>
+                <a:ext cx="4023360" cy="363600"/>
+              </a:xfrm>
+              <a:prstGeom prst="rect">
+                <a:avLst/>
+              </a:prstGeom>
+            </p:spPr>
+          </p:pic>
+        </mc:Fallback>
+      </mc:AlternateContent>
+    </p:spTree>
+    <p:extLst>
+      <p:ext uri="{BB962C8B-B14F-4D97-AF65-F5344CB8AC3E}">
+        <p14:creationId xmlns:p14="http://schemas.microsoft.com/office/powerpoint/2010/main" val="2696567895"/>
+      </p:ext>
+    </p:extLst>
+  </p:cSld>
+  <p:clrMapOvr>
+    <a:masterClrMapping/>
+  </p:clrMapOvr>
+  <mc:AlternateContent xmlns:mc="http://schemas.openxmlformats.org/markup-compatibility/2006" xmlns:p14="http://schemas.microsoft.com/office/powerpoint/2010/main">
+    <mc:Choice Requires="p14">
+      <p:transition spd="slow" p14:dur="2000" advClick="0" advTm="15000"/>
+    </mc:Choice>
+    <mc:Fallback xmlns="">
+      <p:transition spd="slow" advClick="0" advTm="15000"/>
+    </mc:Fallback>
+  </mc:AlternateContent>
 </p:sld>
 </file>
 
@@ -5351,6 +6566,14 @@
   <p:clrMapOvr>
     <a:masterClrMapping/>
   </p:clrMapOvr>
+  <mc:AlternateContent xmlns:mc="http://schemas.openxmlformats.org/markup-compatibility/2006" xmlns:p14="http://schemas.microsoft.com/office/powerpoint/2010/main">
+    <mc:Choice Requires="p14">
+      <p:transition spd="slow" p14:dur="2000" advClick="0" advTm="15000"/>
+    </mc:Choice>
+    <mc:Fallback xmlns="">
+      <p:transition spd="slow" advClick="0" advTm="15000"/>
+    </mc:Fallback>
+  </mc:AlternateContent>
 </p:sld>
 </file>
 
@@ -5373,118 +6596,87 @@
       </p:grpSpPr>
       <p:sp>
         <p:nvSpPr>
-          <p:cNvPr id="2" name="TextBox 1">
-            <a:extLst>
-              <a:ext uri="{FF2B5EF4-FFF2-40B4-BE49-F238E27FC236}">
-                <a16:creationId xmlns:a16="http://schemas.microsoft.com/office/drawing/2014/main" id="{AB7F5D95-9766-4537-AE99-599532B6C802}"/>
-              </a:ext>
-            </a:extLst>
-          </p:cNvPr>
-          <p:cNvSpPr txBox="1"/>
-          <p:nvPr/>
+          <p:cNvPr id="2" name="Title 1">
+            <a:extLst>
+              <a:ext uri="{FF2B5EF4-FFF2-40B4-BE49-F238E27FC236}">
+                <a16:creationId xmlns:a16="http://schemas.microsoft.com/office/drawing/2014/main" id="{50FDA988-7BA0-4E19-B42E-1B20D58690B8}"/>
+              </a:ext>
+            </a:extLst>
+          </p:cNvPr>
+          <p:cNvSpPr>
+            <a:spLocks noGrp="1"/>
+          </p:cNvSpPr>
+          <p:nvPr>
+            <p:ph type="ctrTitle"/>
+          </p:nvPr>
         </p:nvSpPr>
         <p:spPr>
           <a:xfrm>
-            <a:off x="323161" y="3067362"/>
-            <a:ext cx="11545677" cy="723275"/>
+            <a:off x="332342" y="2924432"/>
+            <a:ext cx="11527316" cy="1009135"/>
           </a:xfrm>
-          <a:prstGeom prst="rect">
-            <a:avLst/>
-          </a:prstGeom>
-          <a:noFill/>
         </p:spPr>
         <p:txBody>
-          <a:bodyPr wrap="square" rtlCol="0">
-            <a:spAutoFit/>
+          <a:bodyPr>
+            <a:normAutofit/>
           </a:bodyPr>
           <a:lstStyle/>
           <a:p>
-            <a:pPr algn="ctr"/>
-            <a:r>
-              <a:rPr lang="en-AU" sz="4100" dirty="0">
+            <a:r>
+              <a:rPr lang="en-AU" sz="5400" dirty="0">
                 <a:solidFill>
                   <a:srgbClr val="F8F8F2"/>
                 </a:solidFill>
                 <a:latin typeface="Consolas" panose="020B0609020204030204" pitchFamily="49" charset="0"/>
+                <a:ea typeface="+mn-ea"/>
+                <a:cs typeface="+mn-cs"/>
               </a:rPr>
               <a:t>&lt;</a:t>
             </a:r>
             <a:r>
-              <a:rPr lang="en-AU" sz="4100" dirty="0">
+              <a:rPr lang="en-AU" sz="5400" dirty="0">
                 <a:solidFill>
                   <a:srgbClr val="F92672"/>
                 </a:solidFill>
                 <a:latin typeface="Consolas" panose="020B0609020204030204" pitchFamily="49" charset="0"/>
-              </a:rPr>
-              <a:t>button</a:t>
-            </a:r>
-            <a:r>
-              <a:rPr lang="en-AU" sz="4100" dirty="0">
+                <a:ea typeface="+mn-ea"/>
+                <a:cs typeface="+mn-cs"/>
+              </a:rPr>
+              <a:t>html</a:t>
+            </a:r>
+            <a:r>
+              <a:rPr lang="en-AU" sz="5400" dirty="0">
                 <a:solidFill>
                   <a:srgbClr val="F8F8F2"/>
                 </a:solidFill>
                 <a:latin typeface="Consolas" panose="020B0609020204030204" pitchFamily="49" charset="0"/>
-              </a:rPr>
-              <a:t> </a:t>
-            </a:r>
-            <a:r>
-              <a:rPr lang="en-AU" sz="4100" dirty="0" err="1">
-                <a:solidFill>
-                  <a:srgbClr val="A6E22E"/>
-                </a:solidFill>
-                <a:latin typeface="Consolas" panose="020B0609020204030204" pitchFamily="49" charset="0"/>
-              </a:rPr>
-              <a:t>href</a:t>
-            </a:r>
-            <a:r>
-              <a:rPr lang="en-AU" sz="4100" dirty="0">
-                <a:solidFill>
-                  <a:srgbClr val="E6DB74"/>
-                </a:solidFill>
-                <a:latin typeface="Consolas" panose="020B0609020204030204" pitchFamily="49" charset="0"/>
-              </a:rPr>
-              <a:t>"/link"</a:t>
-            </a:r>
-            <a:r>
-              <a:rPr lang="en-AU" sz="4100" dirty="0">
-                <a:solidFill>
-                  <a:srgbClr val="F8F8F2"/>
-                </a:solidFill>
-                <a:latin typeface="Consolas" panose="020B0609020204030204" pitchFamily="49" charset="0"/>
-              </a:rPr>
-              <a:t>&gt;Click here&lt;/</a:t>
-            </a:r>
-            <a:r>
-              <a:rPr lang="en-AU" sz="4100" dirty="0">
-                <a:solidFill>
-                  <a:srgbClr val="F92672"/>
-                </a:solidFill>
-                <a:latin typeface="Consolas" panose="020B0609020204030204" pitchFamily="49" charset="0"/>
-              </a:rPr>
-              <a:t>button</a:t>
-            </a:r>
-            <a:r>
-              <a:rPr lang="en-AU" sz="4100" dirty="0">
-                <a:solidFill>
-                  <a:srgbClr val="F8F8F2"/>
-                </a:solidFill>
-                <a:latin typeface="Consolas" panose="020B0609020204030204" pitchFamily="49" charset="0"/>
-              </a:rPr>
-              <a:t>&gt;</a:t>
-            </a:r>
+                <a:ea typeface="+mn-ea"/>
+                <a:cs typeface="+mn-cs"/>
+              </a:rPr>
+              <a:t>&gt; is relatively simple</a:t>
+            </a:r>
+            <a:endParaRPr lang="en-AU" sz="5400" dirty="0"/>
           </a:p>
         </p:txBody>
       </p:sp>
     </p:spTree>
     <p:extLst>
       <p:ext uri="{BB962C8B-B14F-4D97-AF65-F5344CB8AC3E}">
-        <p14:creationId xmlns:p14="http://schemas.microsoft.com/office/powerpoint/2010/main" val="3479335610"/>
+        <p14:creationId xmlns:p14="http://schemas.microsoft.com/office/powerpoint/2010/main" val="3052871957"/>
       </p:ext>
     </p:extLst>
   </p:cSld>
   <p:clrMapOvr>
     <a:masterClrMapping/>
   </p:clrMapOvr>
+  <mc:AlternateContent xmlns:mc="http://schemas.openxmlformats.org/markup-compatibility/2006" xmlns:p14="http://schemas.microsoft.com/office/powerpoint/2010/main">
+    <mc:Choice Requires="p14">
+      <p:transition spd="slow" p14:dur="2000" advClick="0" advTm="15000"/>
+    </mc:Choice>
+    <mc:Fallback xmlns="">
+      <p:transition spd="slow" advClick="0" advTm="15000"/>
+    </mc:Fallback>
+  </mc:AlternateContent>
 </p:sld>
 </file>
 
@@ -5507,412 +6699,65 @@
       </p:grpSpPr>
       <p:sp>
         <p:nvSpPr>
-          <p:cNvPr id="2" name="TextBox 1">
-            <a:extLst>
-              <a:ext uri="{FF2B5EF4-FFF2-40B4-BE49-F238E27FC236}">
-                <a16:creationId xmlns:a16="http://schemas.microsoft.com/office/drawing/2014/main" id="{AB7F5D95-9766-4537-AE99-599532B6C802}"/>
-              </a:ext>
-            </a:extLst>
-          </p:cNvPr>
-          <p:cNvSpPr txBox="1"/>
-          <p:nvPr/>
+          <p:cNvPr id="2" name="Title 1">
+            <a:extLst>
+              <a:ext uri="{FF2B5EF4-FFF2-40B4-BE49-F238E27FC236}">
+                <a16:creationId xmlns:a16="http://schemas.microsoft.com/office/drawing/2014/main" id="{50FDA988-7BA0-4E19-B42E-1B20D58690B8}"/>
+              </a:ext>
+            </a:extLst>
+          </p:cNvPr>
+          <p:cNvSpPr>
+            <a:spLocks noGrp="1"/>
+          </p:cNvSpPr>
+          <p:nvPr>
+            <p:ph type="ctrTitle"/>
+          </p:nvPr>
         </p:nvSpPr>
         <p:spPr>
           <a:xfrm>
-            <a:off x="323161" y="751344"/>
-            <a:ext cx="11545677" cy="5355312"/>
+            <a:off x="332342" y="2924432"/>
+            <a:ext cx="11527316" cy="1009135"/>
           </a:xfrm>
-          <a:prstGeom prst="rect">
-            <a:avLst/>
-          </a:prstGeom>
-          <a:noFill/>
         </p:spPr>
         <p:txBody>
-          <a:bodyPr wrap="square" rtlCol="0">
-            <a:spAutoFit/>
+          <a:bodyPr>
+            <a:normAutofit/>
           </a:bodyPr>
           <a:lstStyle/>
           <a:p>
             <a:r>
-              <a:rPr lang="en-AU" sz="3800" i="1" dirty="0">
-                <a:solidFill>
-                  <a:srgbClr val="66D9EF"/>
-                </a:solidFill>
-                <a:latin typeface="Consolas" panose="020B0609020204030204" pitchFamily="49" charset="0"/>
-              </a:rPr>
-              <a:t>const</a:t>
-            </a:r>
-            <a:r>
-              <a:rPr lang="en-AU" sz="3800" dirty="0">
+              <a:rPr lang="en-GB" sz="5400" dirty="0">
                 <a:solidFill>
                   <a:srgbClr val="F8F8F2"/>
                 </a:solidFill>
                 <a:latin typeface="Consolas" panose="020B0609020204030204" pitchFamily="49" charset="0"/>
-              </a:rPr>
-              <a:t> Link </a:t>
-            </a:r>
-            <a:r>
-              <a:rPr lang="en-AU" sz="3800" dirty="0">
-                <a:solidFill>
-                  <a:srgbClr val="F92672"/>
-                </a:solidFill>
-                <a:latin typeface="Consolas" panose="020B0609020204030204" pitchFamily="49" charset="0"/>
-              </a:rPr>
-              <a:t>=</a:t>
-            </a:r>
-            <a:r>
-              <a:rPr lang="en-AU" sz="3800" dirty="0">
-                <a:solidFill>
-                  <a:srgbClr val="F8F8F2"/>
-                </a:solidFill>
-                <a:latin typeface="Consolas" panose="020B0609020204030204" pitchFamily="49" charset="0"/>
-              </a:rPr>
-              <a:t> </a:t>
-            </a:r>
-            <a:r>
-              <a:rPr lang="en-AU" sz="3800" dirty="0">
-                <a:solidFill>
-                  <a:srgbClr val="A6E22E"/>
-                </a:solidFill>
-                <a:latin typeface="Consolas" panose="020B0609020204030204" pitchFamily="49" charset="0"/>
-              </a:rPr>
-              <a:t>styled</a:t>
-            </a:r>
-            <a:r>
-              <a:rPr lang="en-AU" sz="3800" dirty="0">
-                <a:solidFill>
-                  <a:srgbClr val="F8F8F2"/>
-                </a:solidFill>
-                <a:latin typeface="Consolas" panose="020B0609020204030204" pitchFamily="49" charset="0"/>
-              </a:rPr>
-              <a:t>(</a:t>
-            </a:r>
-            <a:r>
-              <a:rPr lang="en-AU" sz="3800" dirty="0">
-                <a:solidFill>
-                  <a:srgbClr val="E6DB74"/>
-                </a:solidFill>
-                <a:latin typeface="Consolas" panose="020B0609020204030204" pitchFamily="49" charset="0"/>
-              </a:rPr>
-              <a:t>'a'</a:t>
-            </a:r>
-            <a:r>
-              <a:rPr lang="en-AU" sz="3800" dirty="0">
-                <a:solidFill>
-                  <a:srgbClr val="F8F8F2"/>
-                </a:solidFill>
-                <a:latin typeface="Consolas" panose="020B0609020204030204" pitchFamily="49" charset="0"/>
-              </a:rPr>
-              <a:t>)</a:t>
-            </a:r>
-            <a:r>
-              <a:rPr lang="en-AU" sz="3800" dirty="0">
-                <a:solidFill>
-                  <a:srgbClr val="E6DB74"/>
-                </a:solidFill>
-                <a:latin typeface="Consolas" panose="020B0609020204030204" pitchFamily="49" charset="0"/>
-              </a:rPr>
-              <a:t>`</a:t>
-            </a:r>
-            <a:endParaRPr lang="en-AU" sz="3800" dirty="0">
-              <a:solidFill>
-                <a:srgbClr val="F8F8F2"/>
-              </a:solidFill>
-              <a:latin typeface="Consolas" panose="020B0609020204030204" pitchFamily="49" charset="0"/>
-            </a:endParaRPr>
-          </a:p>
-          <a:p>
-            <a:r>
-              <a:rPr lang="en-AU" sz="3800" dirty="0">
-                <a:solidFill>
-                  <a:srgbClr val="E6DB74"/>
-                </a:solidFill>
-                <a:latin typeface="Consolas" panose="020B0609020204030204" pitchFamily="49" charset="0"/>
-              </a:rPr>
-              <a:t>	</a:t>
-            </a:r>
-            <a:r>
-              <a:rPr lang="en-AU" sz="3800" dirty="0" err="1">
-                <a:solidFill>
-                  <a:srgbClr val="E6DB74"/>
-                </a:solidFill>
-                <a:latin typeface="Consolas" panose="020B0609020204030204" pitchFamily="49" charset="0"/>
-              </a:rPr>
-              <a:t>color</a:t>
-            </a:r>
-            <a:r>
-              <a:rPr lang="en-AU" sz="3800" dirty="0">
-                <a:solidFill>
-                  <a:srgbClr val="E6DB74"/>
-                </a:solidFill>
-                <a:latin typeface="Consolas" panose="020B0609020204030204" pitchFamily="49" charset="0"/>
-              </a:rPr>
-              <a:t>: </a:t>
-            </a:r>
-            <a:r>
-              <a:rPr lang="en-AU" sz="3800" dirty="0" err="1">
-                <a:solidFill>
-                  <a:srgbClr val="E6DB74"/>
-                </a:solidFill>
-                <a:latin typeface="Consolas" panose="020B0609020204030204" pitchFamily="49" charset="0"/>
-              </a:rPr>
-              <a:t>navajoWhite</a:t>
-            </a:r>
-            <a:r>
-              <a:rPr lang="en-AU" sz="3800" dirty="0">
-                <a:solidFill>
-                  <a:srgbClr val="E6DB74"/>
-                </a:solidFill>
-                <a:latin typeface="Consolas" panose="020B0609020204030204" pitchFamily="49" charset="0"/>
-              </a:rPr>
-              <a:t>;</a:t>
-            </a:r>
-            <a:endParaRPr lang="en-AU" sz="3800" dirty="0">
-              <a:solidFill>
-                <a:srgbClr val="F8F8F2"/>
-              </a:solidFill>
-              <a:latin typeface="Consolas" panose="020B0609020204030204" pitchFamily="49" charset="0"/>
-            </a:endParaRPr>
-          </a:p>
-          <a:p>
-            <a:r>
-              <a:rPr lang="en-AU" sz="3800" dirty="0">
-                <a:solidFill>
-                  <a:srgbClr val="E6DB74"/>
-                </a:solidFill>
-                <a:latin typeface="Consolas" panose="020B0609020204030204" pitchFamily="49" charset="0"/>
-              </a:rPr>
-              <a:t>`</a:t>
-            </a:r>
-          </a:p>
-          <a:p>
-            <a:endParaRPr lang="en-AU" sz="3800" dirty="0">
-              <a:solidFill>
-                <a:srgbClr val="F8F8F2"/>
-              </a:solidFill>
-              <a:latin typeface="Consolas" panose="020B0609020204030204" pitchFamily="49" charset="0"/>
-            </a:endParaRPr>
-          </a:p>
-          <a:p>
-            <a:br>
-              <a:rPr lang="en-AU" sz="3800" dirty="0">
-                <a:solidFill>
-                  <a:srgbClr val="F8F8F2"/>
-                </a:solidFill>
-                <a:latin typeface="Consolas" panose="020B0609020204030204" pitchFamily="49" charset="0"/>
-              </a:rPr>
-            </a:br>
-            <a:r>
-              <a:rPr lang="en-AU" sz="3800" i="1" dirty="0">
-                <a:solidFill>
-                  <a:srgbClr val="66D9EF"/>
-                </a:solidFill>
-                <a:latin typeface="Consolas" panose="020B0609020204030204" pitchFamily="49" charset="0"/>
-              </a:rPr>
-              <a:t>const</a:t>
-            </a:r>
-            <a:r>
-              <a:rPr lang="en-AU" sz="3800" dirty="0">
-                <a:solidFill>
-                  <a:srgbClr val="F8F8F2"/>
-                </a:solidFill>
-                <a:latin typeface="Consolas" panose="020B0609020204030204" pitchFamily="49" charset="0"/>
-              </a:rPr>
-              <a:t> </a:t>
-            </a:r>
-            <a:r>
-              <a:rPr lang="en-AU" sz="3800" dirty="0" err="1">
-                <a:solidFill>
-                  <a:srgbClr val="F8F8F2"/>
-                </a:solidFill>
-                <a:latin typeface="Consolas" panose="020B0609020204030204" pitchFamily="49" charset="0"/>
-              </a:rPr>
-              <a:t>LinkB</a:t>
-            </a:r>
-            <a:r>
-              <a:rPr lang="en-AU" sz="3800" dirty="0">
-                <a:solidFill>
-                  <a:srgbClr val="F8F8F2"/>
-                </a:solidFill>
-                <a:latin typeface="Consolas" panose="020B0609020204030204" pitchFamily="49" charset="0"/>
-              </a:rPr>
-              <a:t> </a:t>
-            </a:r>
-            <a:r>
-              <a:rPr lang="en-AU" sz="3800" dirty="0">
-                <a:solidFill>
-                  <a:srgbClr val="F92672"/>
-                </a:solidFill>
-                <a:latin typeface="Consolas" panose="020B0609020204030204" pitchFamily="49" charset="0"/>
-              </a:rPr>
-              <a:t>=</a:t>
-            </a:r>
-            <a:r>
-              <a:rPr lang="en-AU" sz="3800" dirty="0">
-                <a:solidFill>
-                  <a:srgbClr val="F8F8F2"/>
-                </a:solidFill>
-                <a:latin typeface="Consolas" panose="020B0609020204030204" pitchFamily="49" charset="0"/>
-              </a:rPr>
-              <a:t> </a:t>
-            </a:r>
-            <a:r>
-              <a:rPr lang="en-AU" sz="3800" dirty="0" err="1">
-                <a:solidFill>
-                  <a:srgbClr val="F8F8F2"/>
-                </a:solidFill>
-                <a:latin typeface="Consolas" panose="020B0609020204030204" pitchFamily="49" charset="0"/>
-              </a:rPr>
-              <a:t>Link.</a:t>
-            </a:r>
-            <a:r>
-              <a:rPr lang="en-AU" sz="3800" dirty="0" err="1">
-                <a:solidFill>
-                  <a:srgbClr val="A6E22E"/>
-                </a:solidFill>
-                <a:latin typeface="Consolas" panose="020B0609020204030204" pitchFamily="49" charset="0"/>
-              </a:rPr>
-              <a:t>withComponent</a:t>
-            </a:r>
-            <a:r>
-              <a:rPr lang="en-AU" sz="3800" dirty="0">
-                <a:solidFill>
-                  <a:srgbClr val="F8F8F2"/>
-                </a:solidFill>
-                <a:latin typeface="Consolas" panose="020B0609020204030204" pitchFamily="49" charset="0"/>
-              </a:rPr>
-              <a:t>(</a:t>
-            </a:r>
-            <a:r>
-              <a:rPr lang="en-AU" sz="3800" dirty="0">
-                <a:solidFill>
-                  <a:srgbClr val="E6DB74"/>
-                </a:solidFill>
-                <a:latin typeface="Consolas" panose="020B0609020204030204" pitchFamily="49" charset="0"/>
-              </a:rPr>
-              <a:t>'button’</a:t>
-            </a:r>
-            <a:r>
-              <a:rPr lang="en-AU" sz="3800" dirty="0">
-                <a:solidFill>
-                  <a:srgbClr val="F8F8F2"/>
-                </a:solidFill>
-                <a:latin typeface="Consolas" panose="020B0609020204030204" pitchFamily="49" charset="0"/>
-              </a:rPr>
-              <a:t>)</a:t>
-            </a:r>
-          </a:p>
-          <a:p>
-            <a:endParaRPr lang="en-AU" sz="3800" dirty="0">
-              <a:solidFill>
-                <a:srgbClr val="F8F8F2"/>
-              </a:solidFill>
-              <a:latin typeface="Consolas" panose="020B0609020204030204" pitchFamily="49" charset="0"/>
-            </a:endParaRPr>
-          </a:p>
-          <a:p>
-            <a:br>
-              <a:rPr lang="en-AU" sz="3800" dirty="0">
-                <a:solidFill>
-                  <a:srgbClr val="F8F8F2"/>
-                </a:solidFill>
-                <a:latin typeface="Consolas" panose="020B0609020204030204" pitchFamily="49" charset="0"/>
-              </a:rPr>
-            </a:br>
-            <a:r>
-              <a:rPr lang="en-AU" sz="3800" dirty="0">
-                <a:solidFill>
-                  <a:srgbClr val="F8F8F2"/>
-                </a:solidFill>
-                <a:latin typeface="Consolas" panose="020B0609020204030204" pitchFamily="49" charset="0"/>
-              </a:rPr>
-              <a:t>&lt;</a:t>
-            </a:r>
-            <a:r>
-              <a:rPr lang="en-AU" sz="3800" i="1" dirty="0" err="1">
-                <a:solidFill>
-                  <a:srgbClr val="66D9EF"/>
-                </a:solidFill>
-                <a:latin typeface="Consolas" panose="020B0609020204030204" pitchFamily="49" charset="0"/>
-              </a:rPr>
-              <a:t>LinkB</a:t>
-            </a:r>
-            <a:r>
-              <a:rPr lang="en-AU" sz="3800" dirty="0">
-                <a:solidFill>
-                  <a:srgbClr val="F8F8F2"/>
-                </a:solidFill>
-                <a:latin typeface="Consolas" panose="020B0609020204030204" pitchFamily="49" charset="0"/>
-              </a:rPr>
-              <a:t> </a:t>
-            </a:r>
-            <a:r>
-              <a:rPr lang="en-AU" sz="3800" dirty="0" err="1">
-                <a:solidFill>
-                  <a:srgbClr val="A6E22E"/>
-                </a:solidFill>
-                <a:latin typeface="Consolas" panose="020B0609020204030204" pitchFamily="49" charset="0"/>
-              </a:rPr>
-              <a:t>href</a:t>
-            </a:r>
-            <a:r>
-              <a:rPr lang="en-AU" sz="3800" dirty="0">
-                <a:solidFill>
-                  <a:srgbClr val="F92672"/>
-                </a:solidFill>
-                <a:latin typeface="Consolas" panose="020B0609020204030204" pitchFamily="49" charset="0"/>
-              </a:rPr>
-              <a:t>=</a:t>
-            </a:r>
-            <a:r>
-              <a:rPr lang="en-AU" sz="3800" dirty="0">
-                <a:solidFill>
-                  <a:srgbClr val="E6DB74"/>
-                </a:solidFill>
-                <a:latin typeface="Consolas" panose="020B0609020204030204" pitchFamily="49" charset="0"/>
-              </a:rPr>
-              <a:t>"/link"</a:t>
-            </a:r>
-            <a:r>
-              <a:rPr lang="en-AU" sz="3800" dirty="0">
-                <a:solidFill>
-                  <a:srgbClr val="F8F8F2"/>
-                </a:solidFill>
-                <a:latin typeface="Consolas" panose="020B0609020204030204" pitchFamily="49" charset="0"/>
-              </a:rPr>
-              <a:t>&gt;Click here&lt;/</a:t>
-            </a:r>
-            <a:r>
-              <a:rPr lang="en-AU" sz="3800" i="1" dirty="0" err="1">
-                <a:solidFill>
-                  <a:srgbClr val="66D9EF"/>
-                </a:solidFill>
-                <a:latin typeface="Consolas" panose="020B0609020204030204" pitchFamily="49" charset="0"/>
-              </a:rPr>
-              <a:t>LinkB</a:t>
-            </a:r>
-            <a:r>
-              <a:rPr lang="en-AU" sz="3800" dirty="0">
-                <a:solidFill>
-                  <a:srgbClr val="F8F8F2"/>
-                </a:solidFill>
-                <a:latin typeface="Consolas" panose="020B0609020204030204" pitchFamily="49" charset="0"/>
-              </a:rPr>
-              <a:t>&gt;</a:t>
-            </a:r>
+                <a:ea typeface="+mn-ea"/>
+                <a:cs typeface="+mn-cs"/>
+              </a:rPr>
+              <a:t>Did you learn it?</a:t>
+            </a:r>
+            <a:endParaRPr lang="en-AU" sz="5400" dirty="0"/>
           </a:p>
         </p:txBody>
       </p:sp>
     </p:spTree>
     <p:extLst>
       <p:ext uri="{BB962C8B-B14F-4D97-AF65-F5344CB8AC3E}">
-        <p14:creationId xmlns:p14="http://schemas.microsoft.com/office/powerpoint/2010/main" val="3026281107"/>
+        <p14:creationId xmlns:p14="http://schemas.microsoft.com/office/powerpoint/2010/main" val="2182414510"/>
       </p:ext>
     </p:extLst>
   </p:cSld>
   <p:clrMapOvr>
     <a:masterClrMapping/>
   </p:clrMapOvr>
+  <mc:AlternateContent xmlns:mc="http://schemas.openxmlformats.org/markup-compatibility/2006" xmlns:p14="http://schemas.microsoft.com/office/powerpoint/2010/main">
+    <mc:Choice Requires="p14">
+      <p:transition spd="slow" p14:dur="2000" advClick="0" advTm="15000"/>
+    </mc:Choice>
+    <mc:Fallback xmlns="">
+      <p:transition spd="slow" advClick="0" advTm="15000"/>
+    </mc:Fallback>
+  </mc:AlternateContent>
 </p:sld>
 </file>
 
@@ -5935,121 +6780,65 @@
       </p:grpSpPr>
       <p:sp>
         <p:nvSpPr>
-          <p:cNvPr id="2" name="TextBox 1">
-            <a:extLst>
-              <a:ext uri="{FF2B5EF4-FFF2-40B4-BE49-F238E27FC236}">
-                <a16:creationId xmlns:a16="http://schemas.microsoft.com/office/drawing/2014/main" id="{AB7F5D95-9766-4537-AE99-599532B6C802}"/>
-              </a:ext>
-            </a:extLst>
-          </p:cNvPr>
-          <p:cNvSpPr txBox="1"/>
-          <p:nvPr/>
+          <p:cNvPr id="2" name="Title 1">
+            <a:extLst>
+              <a:ext uri="{FF2B5EF4-FFF2-40B4-BE49-F238E27FC236}">
+                <a16:creationId xmlns:a16="http://schemas.microsoft.com/office/drawing/2014/main" id="{50FDA988-7BA0-4E19-B42E-1B20D58690B8}"/>
+              </a:ext>
+            </a:extLst>
+          </p:cNvPr>
+          <p:cNvSpPr>
+            <a:spLocks noGrp="1"/>
+          </p:cNvSpPr>
+          <p:nvPr>
+            <p:ph type="ctrTitle"/>
+          </p:nvPr>
         </p:nvSpPr>
         <p:spPr>
           <a:xfrm>
-            <a:off x="2754216" y="2459504"/>
-            <a:ext cx="6683567" cy="1938992"/>
+            <a:off x="332342" y="2924432"/>
+            <a:ext cx="11527316" cy="1009135"/>
           </a:xfrm>
-          <a:prstGeom prst="rect">
-            <a:avLst/>
-          </a:prstGeom>
-          <a:noFill/>
         </p:spPr>
         <p:txBody>
-          <a:bodyPr wrap="square" rtlCol="0">
-            <a:spAutoFit/>
+          <a:bodyPr>
+            <a:normAutofit/>
           </a:bodyPr>
           <a:lstStyle/>
           <a:p>
             <a:r>
-              <a:rPr lang="en-AU" sz="4000" dirty="0">
-                <a:solidFill>
-                  <a:srgbClr val="F92672"/>
-                </a:solidFill>
-                <a:latin typeface="Consolas" panose="020B0609020204030204" pitchFamily="49" charset="0"/>
-              </a:rPr>
-              <a:t>h1</a:t>
-            </a:r>
-            <a:r>
-              <a:rPr lang="en-AU" sz="4000" dirty="0">
+              <a:rPr lang="en-GB" sz="5400" dirty="0">
                 <a:solidFill>
                   <a:srgbClr val="F8F8F2"/>
                 </a:solidFill>
                 <a:latin typeface="Consolas" panose="020B0609020204030204" pitchFamily="49" charset="0"/>
-              </a:rPr>
-              <a:t> {</a:t>
-            </a:r>
-          </a:p>
-          <a:p>
-            <a:r>
-              <a:rPr lang="en-AU" sz="4000" i="1" dirty="0">
-                <a:solidFill>
-                  <a:srgbClr val="66D9EF"/>
-                </a:solidFill>
-                <a:latin typeface="Consolas" panose="020B0609020204030204" pitchFamily="49" charset="0"/>
-              </a:rPr>
-              <a:t>	</a:t>
-            </a:r>
-            <a:r>
-              <a:rPr lang="en-AU" sz="4000" i="1" dirty="0" err="1">
-                <a:solidFill>
-                  <a:srgbClr val="66D9EF"/>
-                </a:solidFill>
-                <a:latin typeface="Consolas" panose="020B0609020204030204" pitchFamily="49" charset="0"/>
-              </a:rPr>
-              <a:t>color</a:t>
-            </a:r>
-            <a:r>
-              <a:rPr lang="en-AU" sz="4000" dirty="0">
-                <a:solidFill>
-                  <a:srgbClr val="F8F8F2"/>
-                </a:solidFill>
-                <a:latin typeface="Consolas" panose="020B0609020204030204" pitchFamily="49" charset="0"/>
-              </a:rPr>
-              <a:t>: </a:t>
-            </a:r>
-            <a:r>
-              <a:rPr lang="en-AU" sz="4000" dirty="0" err="1">
-                <a:solidFill>
-                  <a:srgbClr val="66D9EF"/>
-                </a:solidFill>
-                <a:latin typeface="Consolas" panose="020B0609020204030204" pitchFamily="49" charset="0"/>
-              </a:rPr>
-              <a:t>navajoWhite</a:t>
-            </a:r>
-            <a:r>
-              <a:rPr lang="en-AU" sz="4000" dirty="0">
-                <a:solidFill>
-                  <a:srgbClr val="F8F8F2"/>
-                </a:solidFill>
-                <a:latin typeface="Consolas" panose="020B0609020204030204" pitchFamily="49" charset="0"/>
-              </a:rPr>
-              <a:t>;</a:t>
-            </a:r>
-          </a:p>
-          <a:p>
-            <a:r>
-              <a:rPr lang="en-AU" sz="4000" dirty="0">
-                <a:solidFill>
-                  <a:srgbClr val="F8F8F2"/>
-                </a:solidFill>
-                <a:latin typeface="Consolas" panose="020B0609020204030204" pitchFamily="49" charset="0"/>
-              </a:rPr>
-              <a:t>}</a:t>
-            </a:r>
+                <a:ea typeface="+mn-ea"/>
+                <a:cs typeface="+mn-cs"/>
+              </a:rPr>
+              <a:t>Properly?</a:t>
+            </a:r>
+            <a:endParaRPr lang="en-AU" sz="5400" dirty="0"/>
           </a:p>
         </p:txBody>
       </p:sp>
     </p:spTree>
     <p:extLst>
       <p:ext uri="{BB962C8B-B14F-4D97-AF65-F5344CB8AC3E}">
-        <p14:creationId xmlns:p14="http://schemas.microsoft.com/office/powerpoint/2010/main" val="2575719885"/>
+        <p14:creationId xmlns:p14="http://schemas.microsoft.com/office/powerpoint/2010/main" val="4120564083"/>
       </p:ext>
     </p:extLst>
   </p:cSld>
   <p:clrMapOvr>
     <a:masterClrMapping/>
   </p:clrMapOvr>
+  <mc:AlternateContent xmlns:mc="http://schemas.openxmlformats.org/markup-compatibility/2006" xmlns:p14="http://schemas.microsoft.com/office/powerpoint/2010/main">
+    <mc:Choice Requires="p14">
+      <p:transition spd="slow" p14:dur="2000" advClick="0" advTm="15000"/>
+    </mc:Choice>
+    <mc:Fallback xmlns="">
+      <p:transition spd="slow" advClick="0" advTm="15000"/>
+    </mc:Fallback>
+  </mc:AlternateContent>
 </p:sld>
 </file>
 
@@ -6084,8 +6873,8 @@
         </p:nvSpPr>
         <p:spPr>
           <a:xfrm>
-            <a:off x="328670" y="2621086"/>
-            <a:ext cx="11534660" cy="1615827"/>
+            <a:off x="323161" y="3067362"/>
+            <a:ext cx="11545677" cy="723275"/>
           </a:xfrm>
           <a:prstGeom prst="rect">
             <a:avLst/>
@@ -6098,8 +6887,9 @@
           </a:bodyPr>
           <a:lstStyle/>
           <a:p>
-            <a:r>
-              <a:rPr lang="en-AU" sz="3300" dirty="0">
+            <a:pPr algn="ctr"/>
+            <a:r>
+              <a:rPr lang="en-AU" sz="4100" dirty="0">
                 <a:solidFill>
                   <a:srgbClr val="F8F8F2"/>
                 </a:solidFill>
@@ -6108,16 +6898,16 @@
               <a:t>&lt;</a:t>
             </a:r>
             <a:r>
-              <a:rPr lang="en-AU" sz="3300" dirty="0">
+              <a:rPr lang="en-AU" sz="4100" dirty="0">
                 <a:solidFill>
                   <a:srgbClr val="F92672"/>
                 </a:solidFill>
                 <a:latin typeface="Consolas" panose="020B0609020204030204" pitchFamily="49" charset="0"/>
               </a:rPr>
-              <a:t>div</a:t>
-            </a:r>
-            <a:r>
-              <a:rPr lang="en-AU" sz="3300" dirty="0">
+              <a:t>button</a:t>
+            </a:r>
+            <a:r>
+              <a:rPr lang="en-AU" sz="4100" dirty="0">
                 <a:solidFill>
                   <a:srgbClr val="F8F8F2"/>
                 </a:solidFill>
@@ -6126,128 +6916,43 @@
               <a:t> </a:t>
             </a:r>
             <a:r>
-              <a:rPr lang="en-AU" sz="3300" dirty="0">
+              <a:rPr lang="en-AU" sz="4100" dirty="0" err="1">
                 <a:solidFill>
                   <a:srgbClr val="A6E22E"/>
                 </a:solidFill>
                 <a:latin typeface="Consolas" panose="020B0609020204030204" pitchFamily="49" charset="0"/>
               </a:rPr>
-              <a:t>class</a:t>
-            </a:r>
-            <a:r>
-              <a:rPr lang="en-AU" sz="3300" dirty="0">
+              <a:t>href</a:t>
+            </a:r>
+            <a:r>
+              <a:rPr lang="en-AU" sz="4100" dirty="0">
+                <a:solidFill>
+                  <a:srgbClr val="E6DB74"/>
+                </a:solidFill>
+                <a:latin typeface="Consolas" panose="020B0609020204030204" pitchFamily="49" charset="0"/>
+              </a:rPr>
+              <a:t>"/link"</a:t>
+            </a:r>
+            <a:r>
+              <a:rPr lang="en-AU" sz="4100" dirty="0">
                 <a:solidFill>
                   <a:srgbClr val="F8F8F2"/>
                 </a:solidFill>
                 <a:latin typeface="Consolas" panose="020B0609020204030204" pitchFamily="49" charset="0"/>
               </a:rPr>
-              <a:t>=</a:t>
-            </a:r>
-            <a:r>
-              <a:rPr lang="en-AU" sz="3300" dirty="0">
-                <a:solidFill>
-                  <a:srgbClr val="E6DB74"/>
-                </a:solidFill>
-                <a:latin typeface="Consolas" panose="020B0609020204030204" pitchFamily="49" charset="0"/>
-              </a:rPr>
-              <a:t>"title" </a:t>
-            </a:r>
-            <a:r>
-              <a:rPr lang="en-AU" sz="3300" dirty="0">
-                <a:solidFill>
-                  <a:srgbClr val="A6E22E"/>
-                </a:solidFill>
-                <a:latin typeface="Consolas" panose="020B0609020204030204" pitchFamily="49" charset="0"/>
-              </a:rPr>
-              <a:t>role</a:t>
-            </a:r>
-            <a:r>
-              <a:rPr lang="en-AU" sz="3300" dirty="0">
-                <a:solidFill>
-                  <a:srgbClr val="F8F8F2"/>
-                </a:solidFill>
-                <a:latin typeface="Consolas" panose="020B0609020204030204" pitchFamily="49" charset="0"/>
-              </a:rPr>
-              <a:t>=</a:t>
-            </a:r>
-            <a:r>
-              <a:rPr lang="en-AU" sz="3300" dirty="0">
-                <a:solidFill>
-                  <a:srgbClr val="E6DB74"/>
-                </a:solidFill>
-                <a:latin typeface="Consolas" panose="020B0609020204030204" pitchFamily="49" charset="0"/>
-              </a:rPr>
-              <a:t>"heading" </a:t>
-            </a:r>
-            <a:r>
-              <a:rPr lang="en-AU" sz="3300" dirty="0">
-                <a:solidFill>
-                  <a:srgbClr val="A6E22E"/>
-                </a:solidFill>
-                <a:latin typeface="Consolas" panose="020B0609020204030204" pitchFamily="49" charset="0"/>
-              </a:rPr>
-              <a:t>aria-level</a:t>
-            </a:r>
-            <a:r>
-              <a:rPr lang="en-AU" sz="3300" dirty="0">
-                <a:solidFill>
-                  <a:srgbClr val="F8F8F2"/>
-                </a:solidFill>
-                <a:latin typeface="Consolas" panose="020B0609020204030204" pitchFamily="49" charset="0"/>
-              </a:rPr>
-              <a:t>=</a:t>
-            </a:r>
-            <a:r>
-              <a:rPr lang="en-AU" sz="3300" dirty="0">
-                <a:solidFill>
-                  <a:srgbClr val="E6DB74"/>
-                </a:solidFill>
-                <a:latin typeface="Consolas" panose="020B0609020204030204" pitchFamily="49" charset="0"/>
-              </a:rPr>
-              <a:t>"1"</a:t>
-            </a:r>
-            <a:r>
-              <a:rPr lang="en-AU" sz="3300" dirty="0">
-                <a:solidFill>
-                  <a:srgbClr val="F8F8F2"/>
-                </a:solidFill>
-                <a:latin typeface="Consolas" panose="020B0609020204030204" pitchFamily="49" charset="0"/>
-              </a:rPr>
-              <a:t>&gt;</a:t>
-            </a:r>
-          </a:p>
-          <a:p>
-            <a:r>
-              <a:rPr lang="en-AU" sz="3300" dirty="0">
-                <a:solidFill>
-                  <a:srgbClr val="F8F8F2"/>
-                </a:solidFill>
-                <a:latin typeface="Consolas" panose="020B0609020204030204" pitchFamily="49" charset="0"/>
-              </a:rPr>
-              <a:t>	Page Title</a:t>
-            </a:r>
-          </a:p>
-          <a:p>
-            <a:r>
-              <a:rPr lang="en-AU" sz="3300" dirty="0">
-                <a:solidFill>
-                  <a:srgbClr val="F8F8F2"/>
-                </a:solidFill>
-                <a:latin typeface="Consolas" panose="020B0609020204030204" pitchFamily="49" charset="0"/>
-              </a:rPr>
-              <a:t>&lt;/</a:t>
-            </a:r>
-            <a:r>
-              <a:rPr lang="en-AU" sz="3300" dirty="0">
+              <a:t>&gt;Click here&lt;/</a:t>
+            </a:r>
+            <a:r>
+              <a:rPr lang="en-AU" sz="4100" dirty="0">
                 <a:solidFill>
                   <a:srgbClr val="F92672"/>
                 </a:solidFill>
                 <a:latin typeface="Consolas" panose="020B0609020204030204" pitchFamily="49" charset="0"/>
               </a:rPr>
-              <a:t>div</a:t>
-            </a:r>
-            <a:r>
-              <a:rPr lang="en-AU" sz="3300" dirty="0">
+              <a:t>button</a:t>
+            </a:r>
+            <a:r>
+              <a:rPr lang="en-AU" sz="4100" dirty="0">
                 <a:solidFill>
                   <a:srgbClr val="F8F8F2"/>
                 </a:solidFill>
@@ -6261,13 +6966,21 @@
     </p:spTree>
     <p:extLst>
       <p:ext uri="{BB962C8B-B14F-4D97-AF65-F5344CB8AC3E}">
-        <p14:creationId xmlns:p14="http://schemas.microsoft.com/office/powerpoint/2010/main" val="3853234145"/>
+        <p14:creationId xmlns:p14="http://schemas.microsoft.com/office/powerpoint/2010/main" val="3479335610"/>
       </p:ext>
     </p:extLst>
   </p:cSld>
   <p:clrMapOvr>
     <a:masterClrMapping/>
   </p:clrMapOvr>
+  <mc:AlternateContent xmlns:mc="http://schemas.openxmlformats.org/markup-compatibility/2006" xmlns:p14="http://schemas.microsoft.com/office/powerpoint/2010/main">
+    <mc:Choice Requires="p14">
+      <p:transition spd="slow" p14:dur="2000" advClick="0" advTm="15000"/>
+    </mc:Choice>
+    <mc:Fallback xmlns="">
+      <p:transition spd="slow" advClick="0" advTm="15000"/>
+    </mc:Fallback>
+  </mc:AlternateContent>
 </p:sld>
 </file>
 
@@ -6302,8 +7015,8 @@
         </p:nvSpPr>
         <p:spPr>
           <a:xfrm>
-            <a:off x="323162" y="3044279"/>
-            <a:ext cx="11545676" cy="769441"/>
+            <a:off x="323161" y="751344"/>
+            <a:ext cx="11545677" cy="5355312"/>
           </a:xfrm>
           <a:prstGeom prst="rect">
             <a:avLst/>
@@ -6316,45 +7029,366 @@
           </a:bodyPr>
           <a:lstStyle/>
           <a:p>
-            <a:pPr algn="ctr"/>
-            <a:r>
-              <a:rPr lang="en-AU" sz="4400" dirty="0">
+            <a:r>
+              <a:rPr lang="en-AU" sz="3800" i="1" dirty="0">
+                <a:solidFill>
+                  <a:srgbClr val="66D9EF"/>
+                </a:solidFill>
+                <a:latin typeface="Consolas" panose="020B0609020204030204" pitchFamily="49" charset="0"/>
+              </a:rPr>
+              <a:t>const</a:t>
+            </a:r>
+            <a:r>
+              <a:rPr lang="en-AU" sz="3800" dirty="0">
                 <a:solidFill>
                   <a:srgbClr val="F8F8F2"/>
                 </a:solidFill>
                 <a:latin typeface="Consolas" panose="020B0609020204030204" pitchFamily="49" charset="0"/>
               </a:rPr>
+              <a:t> Link </a:t>
+            </a:r>
+            <a:r>
+              <a:rPr lang="en-AU" sz="3800" dirty="0">
+                <a:solidFill>
+                  <a:srgbClr val="F92672"/>
+                </a:solidFill>
+                <a:latin typeface="Consolas" panose="020B0609020204030204" pitchFamily="49" charset="0"/>
+              </a:rPr>
+              <a:t>=</a:t>
+            </a:r>
+            <a:r>
+              <a:rPr lang="en-AU" sz="3800" dirty="0">
+                <a:solidFill>
+                  <a:srgbClr val="F8F8F2"/>
+                </a:solidFill>
+                <a:latin typeface="Consolas" panose="020B0609020204030204" pitchFamily="49" charset="0"/>
+              </a:rPr>
+              <a:t> </a:t>
+            </a:r>
+            <a:r>
+              <a:rPr lang="en-AU" sz="3800" dirty="0">
+                <a:solidFill>
+                  <a:srgbClr val="A6E22E"/>
+                </a:solidFill>
+                <a:latin typeface="Consolas" panose="020B0609020204030204" pitchFamily="49" charset="0"/>
+              </a:rPr>
+              <a:t>styled</a:t>
+            </a:r>
+            <a:r>
+              <a:rPr lang="en-AU" sz="3800" dirty="0">
+                <a:solidFill>
+                  <a:srgbClr val="F8F8F2"/>
+                </a:solidFill>
+                <a:latin typeface="Consolas" panose="020B0609020204030204" pitchFamily="49" charset="0"/>
+              </a:rPr>
+              <a:t>(</a:t>
+            </a:r>
+            <a:r>
+              <a:rPr lang="en-AU" sz="3800" dirty="0">
+                <a:solidFill>
+                  <a:srgbClr val="E6DB74"/>
+                </a:solidFill>
+                <a:latin typeface="Consolas" panose="020B0609020204030204" pitchFamily="49" charset="0"/>
+              </a:rPr>
+              <a:t>'a'</a:t>
+            </a:r>
+            <a:r>
+              <a:rPr lang="en-AU" sz="3800" dirty="0">
+                <a:solidFill>
+                  <a:srgbClr val="F8F8F2"/>
+                </a:solidFill>
+                <a:latin typeface="Consolas" panose="020B0609020204030204" pitchFamily="49" charset="0"/>
+              </a:rPr>
+              <a:t>)</a:t>
+            </a:r>
+            <a:r>
+              <a:rPr lang="en-AU" sz="3800" dirty="0">
+                <a:solidFill>
+                  <a:srgbClr val="E6DB74"/>
+                </a:solidFill>
+                <a:latin typeface="Consolas" panose="020B0609020204030204" pitchFamily="49" charset="0"/>
+              </a:rPr>
+              <a:t>`</a:t>
+            </a:r>
+            <a:endParaRPr lang="en-AU" sz="3800" dirty="0">
+              <a:solidFill>
+                <a:srgbClr val="F8F8F2"/>
+              </a:solidFill>
+              <a:latin typeface="Consolas" panose="020B0609020204030204" pitchFamily="49" charset="0"/>
+            </a:endParaRPr>
+          </a:p>
+          <a:p>
+            <a:r>
+              <a:rPr lang="en-AU" sz="3800" dirty="0">
+                <a:solidFill>
+                  <a:srgbClr val="E6DB74"/>
+                </a:solidFill>
+                <a:latin typeface="Consolas" panose="020B0609020204030204" pitchFamily="49" charset="0"/>
+              </a:rPr>
+              <a:t>	</a:t>
+            </a:r>
+            <a:r>
+              <a:rPr lang="en-AU" sz="3800" dirty="0" err="1">
+                <a:solidFill>
+                  <a:srgbClr val="E6DB74"/>
+                </a:solidFill>
+                <a:latin typeface="Consolas" panose="020B0609020204030204" pitchFamily="49" charset="0"/>
+              </a:rPr>
+              <a:t>color</a:t>
+            </a:r>
+            <a:r>
+              <a:rPr lang="en-AU" sz="3800" dirty="0">
+                <a:solidFill>
+                  <a:srgbClr val="E6DB74"/>
+                </a:solidFill>
+                <a:latin typeface="Consolas" panose="020B0609020204030204" pitchFamily="49" charset="0"/>
+              </a:rPr>
+              <a:t>: </a:t>
+            </a:r>
+            <a:r>
+              <a:rPr lang="en-AU" sz="3800" dirty="0" err="1">
+                <a:solidFill>
+                  <a:srgbClr val="E6DB74"/>
+                </a:solidFill>
+                <a:latin typeface="Consolas" panose="020B0609020204030204" pitchFamily="49" charset="0"/>
+              </a:rPr>
+              <a:t>navajoWhite</a:t>
+            </a:r>
+            <a:r>
+              <a:rPr lang="en-AU" sz="3800" dirty="0">
+                <a:solidFill>
+                  <a:srgbClr val="E6DB74"/>
+                </a:solidFill>
+                <a:latin typeface="Consolas" panose="020B0609020204030204" pitchFamily="49" charset="0"/>
+              </a:rPr>
+              <a:t>;</a:t>
+            </a:r>
+            <a:endParaRPr lang="en-AU" sz="3800" dirty="0">
+              <a:solidFill>
+                <a:srgbClr val="F8F8F2"/>
+              </a:solidFill>
+              <a:latin typeface="Consolas" panose="020B0609020204030204" pitchFamily="49" charset="0"/>
+            </a:endParaRPr>
+          </a:p>
+          <a:p>
+            <a:r>
+              <a:rPr lang="en-AU" sz="3800" dirty="0">
+                <a:solidFill>
+                  <a:srgbClr val="E6DB74"/>
+                </a:solidFill>
+                <a:latin typeface="Consolas" panose="020B0609020204030204" pitchFamily="49" charset="0"/>
+              </a:rPr>
+              <a:t>`</a:t>
+            </a:r>
+          </a:p>
+          <a:p>
+            <a:endParaRPr lang="en-AU" sz="3800" dirty="0">
+              <a:solidFill>
+                <a:srgbClr val="F8F8F2"/>
+              </a:solidFill>
+              <a:latin typeface="Consolas" panose="020B0609020204030204" pitchFamily="49" charset="0"/>
+            </a:endParaRPr>
+          </a:p>
+          <a:p>
+            <a:br>
+              <a:rPr lang="en-AU" sz="3800" dirty="0">
+                <a:solidFill>
+                  <a:srgbClr val="F8F8F2"/>
+                </a:solidFill>
+                <a:latin typeface="Consolas" panose="020B0609020204030204" pitchFamily="49" charset="0"/>
+              </a:rPr>
+            </a:br>
+            <a:r>
+              <a:rPr lang="en-AU" sz="3800" i="1" dirty="0">
+                <a:solidFill>
+                  <a:srgbClr val="66D9EF"/>
+                </a:solidFill>
+                <a:latin typeface="Consolas" panose="020B0609020204030204" pitchFamily="49" charset="0"/>
+              </a:rPr>
+              <a:t>const</a:t>
+            </a:r>
+            <a:r>
+              <a:rPr lang="en-AU" sz="3800" dirty="0">
+                <a:solidFill>
+                  <a:srgbClr val="F8F8F2"/>
+                </a:solidFill>
+                <a:latin typeface="Consolas" panose="020B0609020204030204" pitchFamily="49" charset="0"/>
+              </a:rPr>
+              <a:t> </a:t>
+            </a:r>
+            <a:r>
+              <a:rPr lang="en-AU" sz="3800" dirty="0" err="1">
+                <a:solidFill>
+                  <a:srgbClr val="F8F8F2"/>
+                </a:solidFill>
+                <a:latin typeface="Consolas" panose="020B0609020204030204" pitchFamily="49" charset="0"/>
+              </a:rPr>
+              <a:t>LinkB</a:t>
+            </a:r>
+            <a:r>
+              <a:rPr lang="en-AU" sz="3800" dirty="0">
+                <a:solidFill>
+                  <a:srgbClr val="F8F8F2"/>
+                </a:solidFill>
+                <a:latin typeface="Consolas" panose="020B0609020204030204" pitchFamily="49" charset="0"/>
+              </a:rPr>
+              <a:t> </a:t>
+            </a:r>
+            <a:r>
+              <a:rPr lang="en-AU" sz="3800" dirty="0">
+                <a:solidFill>
+                  <a:srgbClr val="F92672"/>
+                </a:solidFill>
+                <a:latin typeface="Consolas" panose="020B0609020204030204" pitchFamily="49" charset="0"/>
+              </a:rPr>
+              <a:t>=</a:t>
+            </a:r>
+            <a:r>
+              <a:rPr lang="en-AU" sz="3800" dirty="0">
+                <a:solidFill>
+                  <a:srgbClr val="F8F8F2"/>
+                </a:solidFill>
+                <a:latin typeface="Consolas" panose="020B0609020204030204" pitchFamily="49" charset="0"/>
+              </a:rPr>
+              <a:t> </a:t>
+            </a:r>
+            <a:r>
+              <a:rPr lang="en-AU" sz="3800" dirty="0" err="1">
+                <a:solidFill>
+                  <a:srgbClr val="F8F8F2"/>
+                </a:solidFill>
+                <a:latin typeface="Consolas" panose="020B0609020204030204" pitchFamily="49" charset="0"/>
+              </a:rPr>
+              <a:t>Link.</a:t>
+            </a:r>
+            <a:r>
+              <a:rPr lang="en-AU" sz="3800" dirty="0" err="1">
+                <a:solidFill>
+                  <a:srgbClr val="A6E22E"/>
+                </a:solidFill>
+                <a:latin typeface="Consolas" panose="020B0609020204030204" pitchFamily="49" charset="0"/>
+              </a:rPr>
+              <a:t>withComponent</a:t>
+            </a:r>
+            <a:r>
+              <a:rPr lang="en-AU" sz="3800" dirty="0">
+                <a:solidFill>
+                  <a:srgbClr val="F8F8F2"/>
+                </a:solidFill>
+                <a:latin typeface="Consolas" panose="020B0609020204030204" pitchFamily="49" charset="0"/>
+              </a:rPr>
+              <a:t>(</a:t>
+            </a:r>
+            <a:r>
+              <a:rPr lang="en-AU" sz="3800" dirty="0">
+                <a:solidFill>
+                  <a:srgbClr val="E6DB74"/>
+                </a:solidFill>
+                <a:latin typeface="Consolas" panose="020B0609020204030204" pitchFamily="49" charset="0"/>
+              </a:rPr>
+              <a:t>'button’</a:t>
+            </a:r>
+            <a:r>
+              <a:rPr lang="en-AU" sz="3800" dirty="0">
+                <a:solidFill>
+                  <a:srgbClr val="F8F8F2"/>
+                </a:solidFill>
+                <a:latin typeface="Consolas" panose="020B0609020204030204" pitchFamily="49" charset="0"/>
+              </a:rPr>
+              <a:t>)</a:t>
+            </a:r>
+          </a:p>
+          <a:p>
+            <a:endParaRPr lang="en-AU" sz="3800" dirty="0">
+              <a:solidFill>
+                <a:srgbClr val="F8F8F2"/>
+              </a:solidFill>
+              <a:latin typeface="Consolas" panose="020B0609020204030204" pitchFamily="49" charset="0"/>
+            </a:endParaRPr>
+          </a:p>
+          <a:p>
+            <a:br>
+              <a:rPr lang="en-AU" sz="3800" dirty="0">
+                <a:solidFill>
+                  <a:srgbClr val="F8F8F2"/>
+                </a:solidFill>
+                <a:latin typeface="Consolas" panose="020B0609020204030204" pitchFamily="49" charset="0"/>
+              </a:rPr>
+            </a:br>
+            <a:r>
+              <a:rPr lang="en-AU" sz="3800" dirty="0">
+                <a:solidFill>
+                  <a:srgbClr val="F8F8F2"/>
+                </a:solidFill>
+                <a:latin typeface="Consolas" panose="020B0609020204030204" pitchFamily="49" charset="0"/>
+              </a:rPr>
               <a:t>&lt;</a:t>
             </a:r>
             <a:r>
-              <a:rPr lang="en-AU" sz="4400" dirty="0">
+              <a:rPr lang="en-AU" sz="3800" i="1" dirty="0" err="1">
+                <a:solidFill>
+                  <a:srgbClr val="66D9EF"/>
+                </a:solidFill>
+                <a:latin typeface="Consolas" panose="020B0609020204030204" pitchFamily="49" charset="0"/>
+              </a:rPr>
+              <a:t>LinkB</a:t>
+            </a:r>
+            <a:r>
+              <a:rPr lang="en-AU" sz="3800" dirty="0">
+                <a:solidFill>
+                  <a:srgbClr val="F8F8F2"/>
+                </a:solidFill>
+                <a:latin typeface="Consolas" panose="020B0609020204030204" pitchFamily="49" charset="0"/>
+              </a:rPr>
+              <a:t> </a:t>
+            </a:r>
+            <a:r>
+              <a:rPr lang="en-AU" sz="3800" dirty="0" err="1">
+                <a:solidFill>
+                  <a:srgbClr val="A6E22E"/>
+                </a:solidFill>
+                <a:latin typeface="Consolas" panose="020B0609020204030204" pitchFamily="49" charset="0"/>
+              </a:rPr>
+              <a:t>href</a:t>
+            </a:r>
+            <a:r>
+              <a:rPr lang="en-AU" sz="3800" dirty="0">
                 <a:solidFill>
                   <a:srgbClr val="F92672"/>
                 </a:solidFill>
                 <a:latin typeface="Consolas" panose="020B0609020204030204" pitchFamily="49" charset="0"/>
               </a:rPr>
-              <a:t>h1</a:t>
-            </a:r>
-            <a:r>
-              <a:rPr lang="en-AU" sz="4400" dirty="0">
+              <a:t>=</a:t>
+            </a:r>
+            <a:r>
+              <a:rPr lang="en-AU" sz="3800" dirty="0">
+                <a:solidFill>
+                  <a:srgbClr val="E6DB74"/>
+                </a:solidFill>
+                <a:latin typeface="Consolas" panose="020B0609020204030204" pitchFamily="49" charset="0"/>
+              </a:rPr>
+              <a:t>"/link"</a:t>
+            </a:r>
+            <a:r>
+              <a:rPr lang="en-AU" sz="3800" dirty="0">
                 <a:solidFill>
                   <a:srgbClr val="F8F8F2"/>
                 </a:solidFill>
                 <a:latin typeface="Consolas" panose="020B0609020204030204" pitchFamily="49" charset="0"/>
               </a:rPr>
-              <a:t>&gt;Page Title&lt;/</a:t>
-            </a:r>
-            <a:r>
-              <a:rPr lang="en-AU" sz="4400" dirty="0">
-                <a:solidFill>
-                  <a:srgbClr val="F92672"/>
-                </a:solidFill>
-                <a:latin typeface="Consolas" panose="020B0609020204030204" pitchFamily="49" charset="0"/>
-              </a:rPr>
-              <a:t>h1</a:t>
-            </a:r>
-            <a:r>
-              <a:rPr lang="en-AU" sz="4400" dirty="0">
+              <a:t>&gt;Click here&lt;/</a:t>
+            </a:r>
+            <a:r>
+              <a:rPr lang="en-AU" sz="3800" i="1" dirty="0" err="1">
+                <a:solidFill>
+                  <a:srgbClr val="66D9EF"/>
+                </a:solidFill>
+                <a:latin typeface="Consolas" panose="020B0609020204030204" pitchFamily="49" charset="0"/>
+              </a:rPr>
+              <a:t>LinkB</a:t>
+            </a:r>
+            <a:r>
+              <a:rPr lang="en-AU" sz="3800" dirty="0">
                 <a:solidFill>
                   <a:srgbClr val="F8F8F2"/>
                 </a:solidFill>
@@ -6368,13 +7402,21 @@
     </p:spTree>
     <p:extLst>
       <p:ext uri="{BB962C8B-B14F-4D97-AF65-F5344CB8AC3E}">
-        <p14:creationId xmlns:p14="http://schemas.microsoft.com/office/powerpoint/2010/main" val="3451575664"/>
+        <p14:creationId xmlns:p14="http://schemas.microsoft.com/office/powerpoint/2010/main" val="3026281107"/>
       </p:ext>
     </p:extLst>
   </p:cSld>
   <p:clrMapOvr>
     <a:masterClrMapping/>
   </p:clrMapOvr>
+  <mc:AlternateContent xmlns:mc="http://schemas.openxmlformats.org/markup-compatibility/2006" xmlns:p14="http://schemas.microsoft.com/office/powerpoint/2010/main">
+    <mc:Choice Requires="p14">
+      <p:transition spd="slow" p14:dur="2000" advClick="0" advTm="15000"/>
+    </mc:Choice>
+    <mc:Fallback xmlns="">
+      <p:transition spd="slow" advClick="0" advTm="15000"/>
+    </mc:Fallback>
+  </mc:AlternateContent>
 </p:sld>
 </file>
 
@@ -6409,8 +7451,8 @@
         </p:nvSpPr>
         <p:spPr>
           <a:xfrm>
-            <a:off x="323162" y="920621"/>
-            <a:ext cx="11545676" cy="5016758"/>
+            <a:off x="2754216" y="2459504"/>
+            <a:ext cx="6683567" cy="1938992"/>
           </a:xfrm>
           <a:prstGeom prst="rect">
             <a:avLst/>
@@ -6424,352 +7466,74 @@
           <a:lstStyle/>
           <a:p>
             <a:r>
-              <a:rPr lang="en-AU" sz="3200" dirty="0">
+              <a:rPr lang="en-AU" sz="4000" dirty="0">
+                <a:solidFill>
+                  <a:srgbClr val="F92672"/>
+                </a:solidFill>
+                <a:latin typeface="Consolas" panose="020B0609020204030204" pitchFamily="49" charset="0"/>
+              </a:rPr>
+              <a:t>h1</a:t>
+            </a:r>
+            <a:r>
+              <a:rPr lang="en-AU" sz="4000" dirty="0">
                 <a:solidFill>
                   <a:srgbClr val="F8F8F2"/>
                 </a:solidFill>
                 <a:latin typeface="Consolas" panose="020B0609020204030204" pitchFamily="49" charset="0"/>
               </a:rPr>
-              <a:t>&lt;</a:t>
-            </a:r>
-            <a:r>
-              <a:rPr lang="en-AU" sz="3200" dirty="0">
-                <a:solidFill>
-                  <a:srgbClr val="F92672"/>
-                </a:solidFill>
-                <a:latin typeface="Consolas" panose="020B0609020204030204" pitchFamily="49" charset="0"/>
-              </a:rPr>
-              <a:t>div</a:t>
-            </a:r>
-            <a:r>
-              <a:rPr lang="en-AU" sz="3200" dirty="0">
+              <a:t> {</a:t>
+            </a:r>
+          </a:p>
+          <a:p>
+            <a:r>
+              <a:rPr lang="en-AU" sz="4000" i="1" dirty="0">
+                <a:solidFill>
+                  <a:srgbClr val="66D9EF"/>
+                </a:solidFill>
+                <a:latin typeface="Consolas" panose="020B0609020204030204" pitchFamily="49" charset="0"/>
+              </a:rPr>
+              <a:t>	</a:t>
+            </a:r>
+            <a:r>
+              <a:rPr lang="en-AU" sz="4000" i="1" dirty="0" err="1">
+                <a:solidFill>
+                  <a:srgbClr val="66D9EF"/>
+                </a:solidFill>
+                <a:latin typeface="Consolas" panose="020B0609020204030204" pitchFamily="49" charset="0"/>
+              </a:rPr>
+              <a:t>color</a:t>
+            </a:r>
+            <a:r>
+              <a:rPr lang="en-AU" sz="4000" dirty="0">
                 <a:solidFill>
                   <a:srgbClr val="F8F8F2"/>
                 </a:solidFill>
                 <a:latin typeface="Consolas" panose="020B0609020204030204" pitchFamily="49" charset="0"/>
               </a:rPr>
-              <a:t> </a:t>
-            </a:r>
-            <a:r>
-              <a:rPr lang="en-AU" sz="3200" dirty="0">
-                <a:solidFill>
-                  <a:srgbClr val="A6E22E"/>
-                </a:solidFill>
-                <a:latin typeface="Consolas" panose="020B0609020204030204" pitchFamily="49" charset="0"/>
-              </a:rPr>
-              <a:t>class</a:t>
-            </a:r>
-            <a:r>
-              <a:rPr lang="en-AU" sz="3200" dirty="0">
+              <a:t>: </a:t>
+            </a:r>
+            <a:r>
+              <a:rPr lang="en-AU" sz="4000" dirty="0" err="1">
+                <a:solidFill>
+                  <a:srgbClr val="66D9EF"/>
+                </a:solidFill>
+                <a:latin typeface="Consolas" panose="020B0609020204030204" pitchFamily="49" charset="0"/>
+              </a:rPr>
+              <a:t>navajoWhite</a:t>
+            </a:r>
+            <a:r>
+              <a:rPr lang="en-AU" sz="4000" dirty="0">
                 <a:solidFill>
                   <a:srgbClr val="F8F8F2"/>
                 </a:solidFill>
                 <a:latin typeface="Consolas" panose="020B0609020204030204" pitchFamily="49" charset="0"/>
               </a:rPr>
-              <a:t>=</a:t>
-            </a:r>
-            <a:r>
-              <a:rPr lang="en-AU" sz="3200" dirty="0">
-                <a:solidFill>
-                  <a:srgbClr val="E6DB74"/>
-                </a:solidFill>
-                <a:latin typeface="Consolas" panose="020B0609020204030204" pitchFamily="49" charset="0"/>
-              </a:rPr>
-              <a:t>"link"</a:t>
-            </a:r>
-            <a:r>
-              <a:rPr lang="en-AU" sz="3200" dirty="0">
-                <a:solidFill>
-                  <a:srgbClr val="F8F8F2"/>
-                </a:solidFill>
-                <a:latin typeface="Consolas" panose="020B0609020204030204" pitchFamily="49" charset="0"/>
-              </a:rPr>
-              <a:t> </a:t>
-            </a:r>
-            <a:r>
-              <a:rPr lang="en-AU" sz="3200" dirty="0">
-                <a:solidFill>
-                  <a:srgbClr val="A6E22E"/>
-                </a:solidFill>
-                <a:latin typeface="Consolas" panose="020B0609020204030204" pitchFamily="49" charset="0"/>
-              </a:rPr>
-              <a:t>onclick</a:t>
-            </a:r>
-            <a:r>
-              <a:rPr lang="en-AU" sz="3200" dirty="0">
-                <a:solidFill>
-                  <a:srgbClr val="F8F8F2"/>
-                </a:solidFill>
-                <a:latin typeface="Consolas" panose="020B0609020204030204" pitchFamily="49" charset="0"/>
-              </a:rPr>
-              <a:t>=</a:t>
-            </a:r>
-            <a:r>
-              <a:rPr lang="en-AU" sz="3200" dirty="0">
-                <a:solidFill>
-                  <a:srgbClr val="E6DB74"/>
-                </a:solidFill>
-                <a:latin typeface="Consolas" panose="020B0609020204030204" pitchFamily="49" charset="0"/>
-              </a:rPr>
-              <a:t>"</a:t>
-            </a:r>
-            <a:r>
-              <a:rPr lang="en-AU" sz="3200" dirty="0" err="1">
-                <a:solidFill>
-                  <a:srgbClr val="F8F8F2"/>
-                </a:solidFill>
-                <a:latin typeface="Consolas" panose="020B0609020204030204" pitchFamily="49" charset="0"/>
-              </a:rPr>
-              <a:t>location</a:t>
-            </a:r>
-            <a:r>
-              <a:rPr lang="en-AU" sz="3200" dirty="0" err="1">
-                <a:solidFill>
-                  <a:srgbClr val="E6DB74"/>
-                </a:solidFill>
-                <a:latin typeface="Consolas" panose="020B0609020204030204" pitchFamily="49" charset="0"/>
-              </a:rPr>
-              <a:t>.</a:t>
-            </a:r>
-            <a:r>
-              <a:rPr lang="en-AU" sz="3200" dirty="0" err="1">
-                <a:solidFill>
-                  <a:srgbClr val="F8F8F2"/>
-                </a:solidFill>
-                <a:latin typeface="Consolas" panose="020B0609020204030204" pitchFamily="49" charset="0"/>
-              </a:rPr>
-              <a:t>href</a:t>
-            </a:r>
-            <a:r>
-              <a:rPr lang="en-AU" sz="3200" dirty="0">
-                <a:solidFill>
-                  <a:srgbClr val="F92672"/>
-                </a:solidFill>
-                <a:latin typeface="Consolas" panose="020B0609020204030204" pitchFamily="49" charset="0"/>
-              </a:rPr>
-              <a:t>=</a:t>
-            </a:r>
-            <a:r>
-              <a:rPr lang="en-AU" sz="3200" dirty="0">
-                <a:solidFill>
-                  <a:srgbClr val="E6DB74"/>
-                </a:solidFill>
-                <a:latin typeface="Consolas" panose="020B0609020204030204" pitchFamily="49" charset="0"/>
-              </a:rPr>
-              <a:t>'/link’”</a:t>
-            </a:r>
-            <a:r>
-              <a:rPr lang="en-AU" sz="3200" dirty="0">
-                <a:solidFill>
-                  <a:srgbClr val="F8F8F2"/>
-                </a:solidFill>
-                <a:latin typeface="Consolas" panose="020B0609020204030204" pitchFamily="49" charset="0"/>
-              </a:rPr>
-              <a:t>&gt;</a:t>
-            </a:r>
-          </a:p>
-          <a:p>
-            <a:r>
-              <a:rPr lang="en-AU" sz="3200" dirty="0">
-                <a:solidFill>
-                  <a:srgbClr val="F8F8F2"/>
-                </a:solidFill>
-                <a:latin typeface="Consolas" panose="020B0609020204030204" pitchFamily="49" charset="0"/>
-              </a:rPr>
-              <a:t>	Click here</a:t>
-            </a:r>
-          </a:p>
-          <a:p>
-            <a:r>
-              <a:rPr lang="en-AU" sz="3200" dirty="0">
-                <a:solidFill>
-                  <a:srgbClr val="F8F8F2"/>
-                </a:solidFill>
-                <a:latin typeface="Consolas" panose="020B0609020204030204" pitchFamily="49" charset="0"/>
-              </a:rPr>
-              <a:t>&lt;/</a:t>
-            </a:r>
-            <a:r>
-              <a:rPr lang="en-AU" sz="3200" dirty="0">
-                <a:solidFill>
-                  <a:srgbClr val="F92672"/>
-                </a:solidFill>
-                <a:latin typeface="Consolas" panose="020B0609020204030204" pitchFamily="49" charset="0"/>
-              </a:rPr>
-              <a:t>div</a:t>
-            </a:r>
-            <a:r>
-              <a:rPr lang="en-AU" sz="3200" dirty="0">
-                <a:solidFill>
-                  <a:srgbClr val="F8F8F2"/>
-                </a:solidFill>
-                <a:latin typeface="Consolas" panose="020B0609020204030204" pitchFamily="49" charset="0"/>
-              </a:rPr>
-              <a:t>&gt;</a:t>
-            </a:r>
-          </a:p>
-          <a:p>
-            <a:endParaRPr lang="en-AU" sz="3200" dirty="0">
-              <a:solidFill>
-                <a:srgbClr val="F8F8F2"/>
-              </a:solidFill>
-              <a:latin typeface="Consolas" panose="020B0609020204030204" pitchFamily="49" charset="0"/>
-            </a:endParaRPr>
-          </a:p>
-          <a:p>
-            <a:endParaRPr lang="en-AU" sz="3200" dirty="0">
-              <a:solidFill>
-                <a:srgbClr val="F8F8F2"/>
-              </a:solidFill>
-              <a:latin typeface="Consolas" panose="020B0609020204030204" pitchFamily="49" charset="0"/>
-            </a:endParaRPr>
-          </a:p>
-          <a:p>
-            <a:r>
-              <a:rPr lang="en-AU" sz="3200" dirty="0">
-                <a:solidFill>
-                  <a:srgbClr val="A6E22E"/>
-                </a:solidFill>
-                <a:latin typeface="Consolas" panose="020B0609020204030204" pitchFamily="49" charset="0"/>
-              </a:rPr>
-              <a:t>.link</a:t>
-            </a:r>
-            <a:r>
-              <a:rPr lang="en-AU" sz="3200" dirty="0">
-                <a:solidFill>
-                  <a:srgbClr val="F8F8F2"/>
-                </a:solidFill>
-                <a:latin typeface="Consolas" panose="020B0609020204030204" pitchFamily="49" charset="0"/>
-              </a:rPr>
-              <a:t> {</a:t>
-            </a:r>
-          </a:p>
-          <a:p>
-            <a:r>
-              <a:rPr lang="en-AU" sz="3200" i="1" dirty="0">
-                <a:solidFill>
-                  <a:srgbClr val="66D9EF"/>
-                </a:solidFill>
-                <a:latin typeface="Consolas" panose="020B0609020204030204" pitchFamily="49" charset="0"/>
-              </a:rPr>
-              <a:t>	</a:t>
-            </a:r>
-            <a:r>
-              <a:rPr lang="en-AU" sz="3200" i="1" dirty="0" err="1">
-                <a:solidFill>
-                  <a:srgbClr val="66D9EF"/>
-                </a:solidFill>
-                <a:latin typeface="Consolas" panose="020B0609020204030204" pitchFamily="49" charset="0"/>
-              </a:rPr>
-              <a:t>color</a:t>
-            </a:r>
-            <a:r>
-              <a:rPr lang="en-AU" sz="3200" dirty="0">
-                <a:solidFill>
-                  <a:srgbClr val="F8F8F2"/>
-                </a:solidFill>
-                <a:latin typeface="Consolas" panose="020B0609020204030204" pitchFamily="49" charset="0"/>
-              </a:rPr>
-              <a:t>: </a:t>
-            </a:r>
-            <a:r>
-              <a:rPr lang="en-AU" sz="3200" dirty="0" err="1">
-                <a:solidFill>
-                  <a:srgbClr val="66D9EF"/>
-                </a:solidFill>
-                <a:latin typeface="Consolas" panose="020B0609020204030204" pitchFamily="49" charset="0"/>
-              </a:rPr>
-              <a:t>navajoWhite</a:t>
-            </a:r>
-            <a:r>
-              <a:rPr lang="en-AU" sz="3200" dirty="0">
-                <a:solidFill>
-                  <a:srgbClr val="F8F8F2"/>
-                </a:solidFill>
-                <a:latin typeface="Consolas" panose="020B0609020204030204" pitchFamily="49" charset="0"/>
-              </a:rPr>
               <a:t>;</a:t>
             </a:r>
           </a:p>
           <a:p>
             <a:r>
-              <a:rPr lang="en-AU" sz="3200" i="1" dirty="0">
-                <a:solidFill>
-                  <a:srgbClr val="66D9EF"/>
-                </a:solidFill>
-                <a:latin typeface="Consolas" panose="020B0609020204030204" pitchFamily="49" charset="0"/>
-              </a:rPr>
-              <a:t>	cursor</a:t>
-            </a:r>
-            <a:r>
-              <a:rPr lang="en-AU" sz="3200" dirty="0">
-                <a:solidFill>
-                  <a:srgbClr val="F8F8F2"/>
-                </a:solidFill>
-                <a:latin typeface="Consolas" panose="020B0609020204030204" pitchFamily="49" charset="0"/>
-              </a:rPr>
-              <a:t>: </a:t>
-            </a:r>
-            <a:r>
-              <a:rPr lang="en-AU" sz="3200" dirty="0">
-                <a:solidFill>
-                  <a:srgbClr val="66D9EF"/>
-                </a:solidFill>
-                <a:latin typeface="Consolas" panose="020B0609020204030204" pitchFamily="49" charset="0"/>
-              </a:rPr>
-              <a:t>pointer</a:t>
-            </a:r>
-            <a:r>
-              <a:rPr lang="en-AU" sz="3200" dirty="0">
-                <a:solidFill>
-                  <a:srgbClr val="F8F8F2"/>
-                </a:solidFill>
-                <a:latin typeface="Consolas" panose="020B0609020204030204" pitchFamily="49" charset="0"/>
-              </a:rPr>
-              <a:t>;</a:t>
-            </a:r>
-          </a:p>
-          <a:p>
-            <a:r>
-              <a:rPr lang="en-AU" sz="3200" i="1" dirty="0">
-                <a:solidFill>
-                  <a:srgbClr val="66D9EF"/>
-                </a:solidFill>
-                <a:latin typeface="Consolas" panose="020B0609020204030204" pitchFamily="49" charset="0"/>
-              </a:rPr>
-              <a:t>	text-decoration</a:t>
-            </a:r>
-            <a:r>
-              <a:rPr lang="en-AU" sz="3200" dirty="0">
-                <a:solidFill>
-                  <a:srgbClr val="F8F8F2"/>
-                </a:solidFill>
-                <a:latin typeface="Consolas" panose="020B0609020204030204" pitchFamily="49" charset="0"/>
-              </a:rPr>
-              <a:t>: </a:t>
-            </a:r>
-            <a:r>
-              <a:rPr lang="en-AU" sz="3200" dirty="0">
-                <a:solidFill>
-                  <a:srgbClr val="66D9EF"/>
-                </a:solidFill>
-                <a:latin typeface="Consolas" panose="020B0609020204030204" pitchFamily="49" charset="0"/>
-              </a:rPr>
-              <a:t>underline</a:t>
-            </a:r>
-            <a:r>
-              <a:rPr lang="en-AU" sz="3200" dirty="0">
-                <a:solidFill>
-                  <a:srgbClr val="F8F8F2"/>
-                </a:solidFill>
-                <a:latin typeface="Consolas" panose="020B0609020204030204" pitchFamily="49" charset="0"/>
-              </a:rPr>
-              <a:t>;</a:t>
-            </a:r>
-          </a:p>
-          <a:p>
-            <a:r>
-              <a:rPr lang="en-AU" sz="3200" dirty="0">
+              <a:rPr lang="en-AU" sz="4000" dirty="0">
                 <a:solidFill>
                   <a:srgbClr val="F8F8F2"/>
                 </a:solidFill>
@@ -6783,13 +7547,21 @@
     </p:spTree>
     <p:extLst>
       <p:ext uri="{BB962C8B-B14F-4D97-AF65-F5344CB8AC3E}">
-        <p14:creationId xmlns:p14="http://schemas.microsoft.com/office/powerpoint/2010/main" val="1594486049"/>
+        <p14:creationId xmlns:p14="http://schemas.microsoft.com/office/powerpoint/2010/main" val="2575719885"/>
       </p:ext>
     </p:extLst>
   </p:cSld>
   <p:clrMapOvr>
     <a:masterClrMapping/>
   </p:clrMapOvr>
+  <mc:AlternateContent xmlns:mc="http://schemas.openxmlformats.org/markup-compatibility/2006" xmlns:p14="http://schemas.microsoft.com/office/powerpoint/2010/main">
+    <mc:Choice Requires="p14">
+      <p:transition spd="slow" p14:dur="2000" advClick="0" advTm="15000"/>
+    </mc:Choice>
+    <mc:Fallback xmlns="">
+      <p:transition spd="slow" advClick="0" advTm="15000"/>
+    </mc:Fallback>
+  </mc:AlternateContent>
 </p:sld>
 </file>
 
